--- a/Presentation_ID_115_121_Sec8A_Mobile Computing lab.pptx
+++ b/Presentation_ID_115_121_Sec8A_Mobile Computing lab.pptx
@@ -16,8 +16,6 @@
     <p:sldId id="263" r:id="rId11"/>
     <p:sldId id="264" r:id="rId12"/>
     <p:sldId id="265" r:id="rId13"/>
-    <p:sldId id="266" r:id="rId14"/>
-    <p:sldId id="267" r:id="rId15"/>
   </p:sldIdLst>
   <p:sldSz cx="10080625" cy="7559675"/>
   <p:notesSz cx="7559675" cy="10691812"/>
@@ -3011,7 +3009,34 @@
                 </a:solidFill>
                 <a:latin typeface="Arial"/>
               </a:rPr>
-              <a:t>Click to edit the title text format</a:t>
+              <a:t>Click to </a:t>
+            </a:r>
+            <a:r>
+              <a:rPr b="0" lang="en-US" sz="5860" spc="-1" strike="noStrike">
+                <a:solidFill>
+                  <a:srgbClr val="ffffff"/>
+                </a:solidFill>
+                <a:latin typeface="Arial"/>
+              </a:rPr>
+              <a:t>edit the </a:t>
+            </a:r>
+            <a:r>
+              <a:rPr b="0" lang="en-US" sz="5860" spc="-1" strike="noStrike">
+                <a:solidFill>
+                  <a:srgbClr val="ffffff"/>
+                </a:solidFill>
+                <a:latin typeface="Arial"/>
+              </a:rPr>
+              <a:t>title text </a:t>
+            </a:r>
+            <a:r>
+              <a:rPr b="0" lang="en-US" sz="5860" spc="-1" strike="noStrike">
+                <a:solidFill>
+                  <a:srgbClr val="ffffff"/>
+                </a:solidFill>
+                <a:latin typeface="Arial"/>
+              </a:rPr>
+              <a:t>format</a:t>
             </a:r>
             <a:endParaRPr b="0" lang="en-US" sz="5860" spc="-1" strike="noStrike">
               <a:solidFill>
@@ -3353,7 +3378,7 @@
           </a:bodyPr>
           <a:p>
             <a:pPr algn="r"/>
-            <a:fld id="{ACC19F03-CF05-4BB9-994E-B057DFA1CA5B}" type="slidenum">
+            <a:fld id="{28F3BF60-00F1-4ACC-B7AC-83E4AD415D83}" type="slidenum">
               <a:rPr b="0" lang="en-US" sz="1400" spc="-1" strike="noStrike">
                 <a:solidFill>
                   <a:srgbClr val="ffffff"/>
@@ -3447,7 +3472,25 @@
               <a:rPr b="0" lang="en-US" sz="4400" spc="-1" strike="noStrike">
                 <a:latin typeface="Arial"/>
               </a:rPr>
-              <a:t>Click to edit the title text format</a:t>
+              <a:t>Click to </a:t>
+            </a:r>
+            <a:r>
+              <a:rPr b="0" lang="en-US" sz="4400" spc="-1" strike="noStrike">
+                <a:latin typeface="Arial"/>
+              </a:rPr>
+              <a:t>edit the </a:t>
+            </a:r>
+            <a:r>
+              <a:rPr b="0" lang="en-US" sz="4400" spc="-1" strike="noStrike">
+                <a:latin typeface="Arial"/>
+              </a:rPr>
+              <a:t>title text </a:t>
+            </a:r>
+            <a:r>
+              <a:rPr b="0" lang="en-US" sz="4400" spc="-1" strike="noStrike">
+                <a:latin typeface="Arial"/>
+              </a:rPr>
+              <a:t>format</a:t>
             </a:r>
             <a:endParaRPr b="0" lang="en-US" sz="4400" spc="-1" strike="noStrike">
               <a:latin typeface="Arial"/>
@@ -3732,7 +3775,7 @@
           </a:bodyPr>
           <a:p>
             <a:pPr algn="r"/>
-            <a:fld id="{BB1E3E00-C4C9-4F6A-A75F-49D76739EFEC}" type="slidenum">
+            <a:fld id="{2BB3CCB3-D595-4F69-8F98-4993EC02803B}" type="slidenum">
               <a:rPr b="0" lang="en-US" sz="1400" spc="-1" strike="noStrike">
                 <a:latin typeface="Arial"/>
               </a:rPr>
@@ -3813,17 +3856,53 @@
                 </a:solidFill>
                 <a:latin typeface="Arial"/>
               </a:rPr>
-              <a:t>Presentation for</a:t>
-            </a:r>
-            <a:br/>
-            <a:r>
-              <a:rPr b="0" lang="en-US" sz="5860" spc="-1" strike="noStrike">
+              <a:t>Presentatio</a:t>
+            </a:r>
+            <a:r>
+              <a:rPr b="0" lang="en-US" sz="4000" spc="-1" strike="noStrike">
                 <a:solidFill>
                   <a:srgbClr val="ffffff"/>
                 </a:solidFill>
                 <a:latin typeface="Arial"/>
               </a:rPr>
-              <a:t>Mobile computing Lab</a:t>
+              <a:t>n for</a:t>
+            </a:r>
+            <a:br/>
+            <a:r>
+              <a:rPr b="1" i="1" lang="en-US" sz="5860" spc="-1" strike="noStrike">
+                <a:solidFill>
+                  <a:srgbClr val="ffffff"/>
+                </a:solidFill>
+                <a:latin typeface="Arial"/>
+              </a:rPr>
+              <a:t>Mobile </a:t>
+            </a:r>
+            <a:r>
+              <a:rPr b="1" i="1" lang="en-US" sz="5860" spc="-1" strike="noStrike">
+                <a:solidFill>
+                  <a:srgbClr val="ffffff"/>
+                </a:solidFill>
+                <a:latin typeface="Arial"/>
+              </a:rPr>
+              <a:t>compu</a:t>
+            </a:r>
+            <a:r>
+              <a:rPr b="1" i="1" lang="en-US" sz="5860" spc="-1" strike="noStrike">
+                <a:solidFill>
+                  <a:srgbClr val="ffffff"/>
+                </a:solidFill>
+                <a:latin typeface="Arial"/>
+              </a:rPr>
+              <a:t>ting </a:t>
+            </a:r>
+            <a:r>
+              <a:rPr b="1" i="1" lang="en-US" sz="5860" spc="-1" strike="noStrike">
+                <a:solidFill>
+                  <a:srgbClr val="ffffff"/>
+                </a:solidFill>
+                <a:latin typeface="Arial"/>
+              </a:rPr>
+              <a:t>Lab</a:t>
             </a:r>
             <a:endParaRPr b="0" lang="en-US" sz="5860" spc="-1" strike="noStrike">
               <a:solidFill>
@@ -3859,7 +3938,7 @@
           </a:bodyPr>
           <a:p>
             <a:pPr algn="ctr"/>
-            <a:fld id="{C166C4D1-0B60-41D9-8EE1-CF2E1D0CF886}" type="slidenum">
+            <a:fld id="{B1FBCD1A-74E6-4094-AA6B-FBD88B5BAB69}" type="slidenum">
               <a:rPr b="0" lang="en-US" sz="2400" spc="-1" strike="noStrike">
                 <a:latin typeface="Arial"/>
               </a:rPr>
@@ -3903,14 +3982,14 @@
       </p:grpSpPr>
       <p:sp>
         <p:nvSpPr>
-          <p:cNvPr id="111" name="TextShape 1"/>
+          <p:cNvPr id="113" name="TextShape 1"/>
           <p:cNvSpPr txBox="1"/>
           <p:nvPr/>
         </p:nvSpPr>
         <p:spPr>
           <a:xfrm>
-            <a:off x="504000" y="301320"/>
-            <a:ext cx="9071640" cy="1262160"/>
+            <a:off x="2376000" y="3168000"/>
+            <a:ext cx="7199640" cy="1262160"/>
           </a:xfrm>
           <a:prstGeom prst="rect">
             <a:avLst/>
@@ -3927,320 +4006,24 @@
           <a:p>
             <a:pPr algn="ctr"/>
             <a:r>
-              <a:rPr b="0" lang="en-US" sz="4400" spc="-1" strike="noStrike">
-                <a:latin typeface="Arial"/>
-              </a:rPr>
-              <a:t>Part 2- Web Development</a:t>
-            </a:r>
-            <a:endParaRPr b="0" lang="en-US" sz="4400" spc="-1" strike="noStrike">
-              <a:latin typeface="Arial"/>
-            </a:endParaRPr>
-          </a:p>
-        </p:txBody>
-      </p:sp>
-      <p:sp>
-        <p:nvSpPr>
-          <p:cNvPr id="112" name="TextShape 2"/>
-          <p:cNvSpPr txBox="1"/>
-          <p:nvPr/>
-        </p:nvSpPr>
-        <p:spPr>
-          <a:xfrm>
-            <a:off x="504000" y="1769040"/>
-            <a:ext cx="9071640" cy="4384440"/>
-          </a:xfrm>
-          <a:prstGeom prst="rect">
-            <a:avLst/>
-          </a:prstGeom>
-          <a:noFill/>
-          <a:ln>
-            <a:noFill/>
-          </a:ln>
-        </p:spPr>
-        <p:txBody>
-          <a:bodyPr lIns="0" rIns="0" tIns="0" bIns="0">
-            <a:normAutofit/>
-          </a:bodyPr>
-          <a:p>
-            <a:pPr marL="432000" indent="-324000">
-              <a:spcBef>
-                <a:spcPts val="1417"/>
-              </a:spcBef>
-              <a:buClr>
-                <a:srgbClr val="000000"/>
-              </a:buClr>
-              <a:buSzPct val="45000"/>
-              <a:buFont typeface="Wingdings" charset="2"/>
-              <a:buChar char=""/>
-            </a:pPr>
-            <a:r>
               <a:rPr b="0" lang="en-US" sz="3200" spc="-1" strike="noStrike">
-                <a:latin typeface="Arial"/>
-              </a:rPr>
-              <a:t> </a:t>
-            </a:r>
-            <a:endParaRPr b="0" lang="en-US" sz="3200" spc="-1" strike="noStrike">
-              <a:latin typeface="Arial"/>
-            </a:endParaRPr>
-          </a:p>
-          <a:p>
-            <a:pPr lvl="2" marL="1296000" indent="-288000">
-              <a:spcBef>
-                <a:spcPts val="850"/>
-              </a:spcBef>
-              <a:buClr>
-                <a:srgbClr val="000000"/>
-              </a:buClr>
-              <a:buSzPct val="45000"/>
-              <a:buFont typeface="Wingdings" charset="2"/>
-              <a:buChar char=""/>
-            </a:pPr>
-            <a:endParaRPr b="0" lang="en-US" sz="3200" spc="-1" strike="noStrike">
-              <a:latin typeface="Arial"/>
-            </a:endParaRPr>
-          </a:p>
-        </p:txBody>
-      </p:sp>
-      <p:sp>
-        <p:nvSpPr>
-          <p:cNvPr id="113" name="TextShape 3"/>
-          <p:cNvSpPr txBox="1"/>
-          <p:nvPr/>
-        </p:nvSpPr>
-        <p:spPr>
-          <a:xfrm>
-            <a:off x="8994240" y="1091880"/>
-            <a:ext cx="822960" cy="704520"/>
-          </a:xfrm>
-          <a:prstGeom prst="rect">
-            <a:avLst/>
-          </a:prstGeom>
-          <a:noFill/>
-          <a:ln>
-            <a:noFill/>
-          </a:ln>
-        </p:spPr>
-        <p:txBody>
-          <a:bodyPr lIns="90000" rIns="90000" tIns="45000" bIns="45000">
-            <a:noAutofit/>
-          </a:bodyPr>
-          <a:p>
-            <a:pPr algn="ctr"/>
-            <a:fld id="{458D13C4-4BFE-46DA-81E6-42279CFE7182}" type="slidenum">
-              <a:rPr b="0" lang="en-US" sz="1800" spc="-1" strike="noStrike">
-                <a:latin typeface="Arial"/>
-              </a:rPr>
-              <a:t>&lt;number&gt;</a:t>
-            </a:fld>
-            <a:endParaRPr b="0" lang="en-US" sz="1800" spc="-1" strike="noStrike">
-              <a:latin typeface="Arial"/>
-            </a:endParaRPr>
-          </a:p>
-        </p:txBody>
-      </p:sp>
-    </p:spTree>
-  </p:cSld>
-  <mc:AlternateContent>
-    <mc:Choice Requires="p14">
-      <p:transition spd="slow" p14:dur="2000"/>
-    </mc:Choice>
-    <mc:Fallback>
-      <p:transition spd="slow"/>
-    </mc:Fallback>
-  </mc:AlternateContent>
-</p:sld>
-</file>
-
-<file path=ppt/slides/slide11.xml><?xml version="1.0" encoding="utf-8"?>
-<p:sld xmlns:a="http://schemas.openxmlformats.org/drawingml/2006/main" xmlns:p="http://schemas.openxmlformats.org/presentationml/2006/main" xmlns:r="http://schemas.openxmlformats.org/officeDocument/2006/relationships" xmlns:p14="http://schemas.microsoft.com/office/powerpoint/2010/main" xmlns:p15="http://schemas.microsoft.com/office/powerpoint/2012/main" xmlns:mc="http://schemas.openxmlformats.org/markup-compatibility/2006">
-  <p:cSld>
-    <p:spTree>
-      <p:nvGrpSpPr>
-        <p:cNvPr id="1" name=""/>
-        <p:cNvGrpSpPr/>
-        <p:nvPr/>
-      </p:nvGrpSpPr>
-      <p:grpSpPr>
-        <a:xfrm>
-          <a:off x="0" y="0"/>
-          <a:ext cx="0" cy="0"/>
-          <a:chOff x="0" y="0"/>
-          <a:chExt cx="0" cy="0"/>
-        </a:xfrm>
-      </p:grpSpPr>
-      <p:sp>
-        <p:nvSpPr>
-          <p:cNvPr id="114" name="TextShape 1"/>
-          <p:cNvSpPr txBox="1"/>
-          <p:nvPr/>
-        </p:nvSpPr>
-        <p:spPr>
-          <a:xfrm>
-            <a:off x="504000" y="301320"/>
-            <a:ext cx="9071640" cy="1262160"/>
-          </a:xfrm>
-          <a:prstGeom prst="rect">
-            <a:avLst/>
-          </a:prstGeom>
-          <a:noFill/>
-          <a:ln>
-            <a:noFill/>
-          </a:ln>
-        </p:spPr>
-        <p:txBody>
-          <a:bodyPr lIns="0" rIns="0" tIns="0" bIns="0" anchor="ctr">
-            <a:noAutofit/>
-          </a:bodyPr>
-          <a:p>
-            <a:pPr algn="ctr"/>
-            <a:endParaRPr b="0" lang="en-US" sz="4400" spc="-1" strike="noStrike">
-              <a:latin typeface="Arial"/>
-            </a:endParaRPr>
-          </a:p>
-        </p:txBody>
-      </p:sp>
-      <p:sp>
-        <p:nvSpPr>
-          <p:cNvPr id="115" name="TextShape 2"/>
-          <p:cNvSpPr txBox="1"/>
-          <p:nvPr/>
-        </p:nvSpPr>
-        <p:spPr>
-          <a:xfrm>
-            <a:off x="504000" y="1769040"/>
-            <a:ext cx="9071640" cy="4384440"/>
-          </a:xfrm>
-          <a:prstGeom prst="rect">
-            <a:avLst/>
-          </a:prstGeom>
-          <a:noFill/>
-          <a:ln>
-            <a:noFill/>
-          </a:ln>
-        </p:spPr>
-        <p:txBody>
-          <a:bodyPr lIns="0" rIns="0" tIns="0" bIns="0">
-            <a:normAutofit/>
-          </a:bodyPr>
-          <a:p>
-            <a:endParaRPr b="0" lang="en-US" sz="3200" spc="-1" strike="noStrike">
-              <a:latin typeface="Arial"/>
-            </a:endParaRPr>
-          </a:p>
-        </p:txBody>
-      </p:sp>
-      <p:sp>
-        <p:nvSpPr>
-          <p:cNvPr id="116" name="TextShape 3"/>
-          <p:cNvSpPr txBox="1"/>
-          <p:nvPr/>
-        </p:nvSpPr>
-        <p:spPr>
-          <a:xfrm>
-            <a:off x="8670600" y="1189080"/>
-            <a:ext cx="1570680" cy="704520"/>
-          </a:xfrm>
-          <a:prstGeom prst="rect">
-            <a:avLst/>
-          </a:prstGeom>
-          <a:noFill/>
-          <a:ln>
-            <a:noFill/>
-          </a:ln>
-        </p:spPr>
-        <p:txBody>
-          <a:bodyPr lIns="90000" rIns="90000" tIns="45000" bIns="45000">
-            <a:noAutofit/>
-          </a:bodyPr>
-          <a:p>
-            <a:pPr algn="ctr"/>
-            <a:fld id="{EBA40455-7C6A-472A-B62D-57E6F18D5B21}" type="slidenum">
-              <a:rPr b="0" lang="en-US" sz="2400" spc="-1" strike="noStrike">
-                <a:latin typeface="Arial"/>
-              </a:rPr>
-              <a:t>&lt;number&gt;</a:t>
-            </a:fld>
-            <a:endParaRPr b="0" lang="en-US" sz="2400" spc="-1" strike="noStrike">
-              <a:latin typeface="Arial"/>
-            </a:endParaRPr>
-          </a:p>
-        </p:txBody>
-      </p:sp>
-    </p:spTree>
-  </p:cSld>
-  <mc:AlternateContent>
-    <mc:Choice Requires="p14">
-      <p:transition spd="slow" p14:dur="2000"/>
-    </mc:Choice>
-    <mc:Fallback>
-      <p:transition spd="slow"/>
-    </mc:Fallback>
-  </mc:AlternateContent>
-</p:sld>
-</file>
-
-<file path=ppt/slides/slide12.xml><?xml version="1.0" encoding="utf-8"?>
-<p:sld xmlns:a="http://schemas.openxmlformats.org/drawingml/2006/main" xmlns:p="http://schemas.openxmlformats.org/presentationml/2006/main" xmlns:r="http://schemas.openxmlformats.org/officeDocument/2006/relationships" xmlns:p14="http://schemas.microsoft.com/office/powerpoint/2010/main" xmlns:p15="http://schemas.microsoft.com/office/powerpoint/2012/main" xmlns:mc="http://schemas.openxmlformats.org/markup-compatibility/2006">
-  <p:cSld>
-    <p:spTree>
-      <p:nvGrpSpPr>
-        <p:cNvPr id="1" name=""/>
-        <p:cNvGrpSpPr/>
-        <p:nvPr/>
-      </p:nvGrpSpPr>
-      <p:grpSpPr>
-        <a:xfrm>
-          <a:off x="0" y="0"/>
-          <a:ext cx="0" cy="0"/>
-          <a:chOff x="0" y="0"/>
-          <a:chExt cx="0" cy="0"/>
-        </a:xfrm>
-      </p:grpSpPr>
-      <p:sp>
-        <p:nvSpPr>
-          <p:cNvPr id="117" name="TextShape 1"/>
-          <p:cNvSpPr txBox="1"/>
-          <p:nvPr/>
-        </p:nvSpPr>
-        <p:spPr>
-          <a:xfrm>
-            <a:off x="2376000" y="3168000"/>
-            <a:ext cx="7199640" cy="1262160"/>
-          </a:xfrm>
-          <a:prstGeom prst="rect">
-            <a:avLst/>
-          </a:prstGeom>
-          <a:noFill/>
-          <a:ln>
-            <a:noFill/>
-          </a:ln>
-        </p:spPr>
-        <p:txBody>
-          <a:bodyPr lIns="0" rIns="0" tIns="0" bIns="0" anchor="ctr">
-            <a:noAutofit/>
-          </a:bodyPr>
-          <a:p>
-            <a:pPr algn="ctr"/>
-            <a:r>
-              <a:rPr b="0" lang="en-US" sz="2200" spc="-1" strike="noStrike">
                 <a:solidFill>
                   <a:srgbClr val="ffffff"/>
                 </a:solidFill>
                 <a:latin typeface="Arial"/>
               </a:rPr>
-              <a:t>This work is licensed under a Creative Commons Attribution-ShareAlike 3.0 Unported License.</a:t>
-            </a:r>
-            <a:br/>
-            <a:r>
-              <a:rPr b="0" lang="en-US" sz="2200" spc="-1" strike="noStrike">
+              <a:t>THANK </a:t>
+            </a:r>
+            <a:r>
+              <a:rPr b="0" lang="en-US" sz="3200" spc="-1" strike="noStrike">
                 <a:solidFill>
                   <a:srgbClr val="ffffff"/>
                 </a:solidFill>
                 <a:latin typeface="Arial"/>
               </a:rPr>
-              <a:t>It makes use of the works of Mateus Machado Luna.</a:t>
-            </a:r>
-            <a:endParaRPr b="0" lang="en-US" sz="2200" spc="-1" strike="noStrike">
+              <a:t>YOU....</a:t>
+            </a:r>
+            <a:endParaRPr b="0" lang="en-US" sz="3200" spc="-1" strike="noStrike">
               <a:solidFill>
                 <a:srgbClr val="ffffff"/>
               </a:solidFill>
@@ -4251,7 +4034,7 @@
       </p:sp>
       <p:pic>
         <p:nvPicPr>
-          <p:cNvPr id="118" name="" descr=""/>
+          <p:cNvPr id="114" name="" descr=""/>
           <p:cNvPicPr/>
           <p:nvPr/>
         </p:nvPicPr>
@@ -4333,7 +4116,16 @@
                 </a:solidFill>
                 <a:latin typeface="Arial"/>
               </a:rPr>
-              <a:t>Presentation by</a:t>
+              <a:t>Presentati</a:t>
+            </a:r>
+            <a:r>
+              <a:rPr b="0" lang="en-US" sz="4400" spc="-1" strike="noStrike">
+                <a:solidFill>
+                  <a:srgbClr val="ffffff"/>
+                </a:solidFill>
+                <a:latin typeface="Arial"/>
+              </a:rPr>
+              <a:t>on by</a:t>
             </a:r>
             <a:endParaRPr b="0" lang="en-US" sz="4400" spc="-1" strike="noStrike">
               <a:solidFill>
@@ -4352,8 +4144,8 @@
         </p:nvSpPr>
         <p:spPr>
           <a:xfrm>
-            <a:off x="1326960" y="2029680"/>
-            <a:ext cx="4433760" cy="4554000"/>
+            <a:off x="4572000" y="2011680"/>
+            <a:ext cx="4982400" cy="4554000"/>
           </a:xfrm>
           <a:prstGeom prst="rect">
             <a:avLst/>
@@ -4369,144 +4161,214 @@
           </a:bodyPr>
           <a:p>
             <a:r>
-              <a:rPr b="0" lang="en-US" sz="2600" spc="-1" strike="noStrike">
+              <a:rPr b="1" i="1" lang="en-US" sz="2600" spc="-1" strike="noStrike">
                 <a:solidFill>
-                  <a:srgbClr val="000000"/>
+                  <a:srgbClr val="ffffd7"/>
                 </a:solidFill>
                 <a:latin typeface="Arial"/>
               </a:rPr>
-              <a:t>Md. Tahadur Rahman Taonmoy</a:t>
-            </a:r>
-            <a:endParaRPr b="0" lang="en-US" sz="2600" spc="-1" strike="noStrike">
-              <a:solidFill>
-                <a:srgbClr val="000000"/>
-              </a:solidFill>
-              <a:latin typeface="Arial"/>
-            </a:endParaRPr>
-          </a:p>
-          <a:p>
-            <a:r>
-              <a:rPr b="0" lang="en-US" sz="2600" spc="-1" strike="noStrike">
+              <a:t>Md. Tahadur </a:t>
+            </a:r>
+            <a:r>
+              <a:rPr b="1" i="1" lang="en-US" sz="2600" spc="-1" strike="noStrike">
                 <a:solidFill>
-                  <a:srgbClr val="000000"/>
+                  <a:srgbClr val="ffffd7"/>
                 </a:solidFill>
                 <a:latin typeface="Arial"/>
               </a:rPr>
+              <a:t>Rahman </a:t>
+            </a:r>
+            <a:r>
+              <a:rPr b="1" i="1" lang="en-US" sz="2600" spc="-1" strike="noStrike">
+                <a:solidFill>
+                  <a:srgbClr val="ffffd7"/>
+                </a:solidFill>
+                <a:latin typeface="Arial"/>
+              </a:rPr>
+              <a:t>Tonmoy</a:t>
+            </a:r>
+            <a:endParaRPr b="0" i="1" lang="en-US" sz="2600" spc="-1" strike="noStrike">
+              <a:solidFill>
+                <a:srgbClr val="ffffd7"/>
+              </a:solidFill>
+              <a:latin typeface="Arial"/>
+            </a:endParaRPr>
+          </a:p>
+          <a:p>
+            <a:r>
+              <a:rPr b="0" i="1" lang="en-US" sz="2600" spc="-1" strike="noStrike">
+                <a:solidFill>
+                  <a:srgbClr val="ffffd7"/>
+                </a:solidFill>
+                <a:latin typeface="Arial"/>
+              </a:rPr>
               <a:t>ID:115</a:t>
             </a:r>
-            <a:endParaRPr b="0" lang="en-US" sz="2600" spc="-1" strike="noStrike">
-              <a:solidFill>
-                <a:srgbClr val="000000"/>
-              </a:solidFill>
-              <a:latin typeface="Arial"/>
-            </a:endParaRPr>
-          </a:p>
-          <a:p>
-            <a:r>
-              <a:rPr b="0" lang="en-US" sz="2600" spc="-1" strike="noStrike">
+            <a:endParaRPr b="0" i="1" lang="en-US" sz="2600" spc="-1" strike="noStrike">
+              <a:solidFill>
+                <a:srgbClr val="ffffd7"/>
+              </a:solidFill>
+              <a:latin typeface="Arial"/>
+            </a:endParaRPr>
+          </a:p>
+          <a:p>
+            <a:r>
+              <a:rPr b="0" i="1" lang="en-US" sz="2600" spc="-1" strike="noStrike">
                 <a:solidFill>
-                  <a:srgbClr val="000000"/>
+                  <a:srgbClr val="ffffd7"/>
                 </a:solidFill>
                 <a:latin typeface="Arial"/>
               </a:rPr>
               <a:t>Section: 8A</a:t>
             </a:r>
-            <a:endParaRPr b="0" lang="en-US" sz="2600" spc="-1" strike="noStrike">
-              <a:solidFill>
-                <a:srgbClr val="000000"/>
-              </a:solidFill>
-              <a:latin typeface="Arial"/>
-            </a:endParaRPr>
-          </a:p>
-          <a:p>
-            <a:r>
-              <a:rPr b="0" lang="en-US" sz="2600" spc="-1" strike="noStrike">
+            <a:endParaRPr b="0" i="1" lang="en-US" sz="2600" spc="-1" strike="noStrike">
+              <a:solidFill>
+                <a:srgbClr val="ffffd7"/>
+              </a:solidFill>
+              <a:latin typeface="Arial"/>
+            </a:endParaRPr>
+          </a:p>
+          <a:p>
+            <a:r>
+              <a:rPr b="0" i="1" lang="en-US" sz="2600" spc="-1" strike="noStrike">
                 <a:solidFill>
-                  <a:srgbClr val="000000"/>
+                  <a:srgbClr val="ffffd7"/>
                 </a:solidFill>
                 <a:latin typeface="Arial"/>
               </a:rPr>
-              <a:t>Dept. of CSE, NUBTK</a:t>
-            </a:r>
-            <a:endParaRPr b="0" lang="en-US" sz="2600" spc="-1" strike="noStrike">
-              <a:solidFill>
-                <a:srgbClr val="000000"/>
-              </a:solidFill>
-              <a:latin typeface="Arial"/>
-            </a:endParaRPr>
-          </a:p>
-          <a:p>
-            <a:endParaRPr b="0" lang="en-US" sz="2600" spc="-1" strike="noStrike">
-              <a:solidFill>
-                <a:srgbClr val="000000"/>
-              </a:solidFill>
-              <a:latin typeface="Arial"/>
-            </a:endParaRPr>
-          </a:p>
-          <a:p>
-            <a:r>
-              <a:rPr b="0" lang="en-US" sz="2600" spc="-1" strike="noStrike">
+              <a:t>Dept. of CSE, </a:t>
+            </a:r>
+            <a:r>
+              <a:rPr b="0" i="1" lang="en-US" sz="2600" spc="-1" strike="noStrike">
                 <a:solidFill>
-                  <a:srgbClr val="000000"/>
+                  <a:srgbClr val="ffffd7"/>
                 </a:solidFill>
                 <a:latin typeface="Arial"/>
               </a:rPr>
-              <a:t>M. Ali Abrar Khan</a:t>
-            </a:r>
-            <a:endParaRPr b="0" lang="en-US" sz="2600" spc="-1" strike="noStrike">
-              <a:solidFill>
-                <a:srgbClr val="000000"/>
-              </a:solidFill>
-              <a:latin typeface="Arial"/>
-            </a:endParaRPr>
-          </a:p>
-          <a:p>
-            <a:r>
-              <a:rPr b="0" lang="en-US" sz="2600" spc="-1" strike="noStrike">
+              <a:t>NUBTK</a:t>
+            </a:r>
+            <a:endParaRPr b="0" i="1" lang="en-US" sz="2600" spc="-1" strike="noStrike">
+              <a:solidFill>
+                <a:srgbClr val="ffffd7"/>
+              </a:solidFill>
+              <a:latin typeface="Arial"/>
+            </a:endParaRPr>
+          </a:p>
+          <a:p>
+            <a:endParaRPr b="0" i="1" lang="en-US" sz="2600" spc="-1" strike="noStrike">
+              <a:solidFill>
+                <a:srgbClr val="ffffd7"/>
+              </a:solidFill>
+              <a:latin typeface="Arial"/>
+            </a:endParaRPr>
+          </a:p>
+          <a:p>
+            <a:r>
+              <a:rPr b="0" i="1" lang="en-US" sz="4000" spc="-1" strike="noStrike">
                 <a:solidFill>
-                  <a:srgbClr val="000000"/>
+                  <a:srgbClr val="ffffd7"/>
                 </a:solidFill>
                 <a:latin typeface="Arial"/>
               </a:rPr>
+              <a:t>&amp;</a:t>
+            </a:r>
+            <a:endParaRPr b="0" i="1" lang="en-US" sz="4000" spc="-1" strike="noStrike">
+              <a:solidFill>
+                <a:srgbClr val="ffffd7"/>
+              </a:solidFill>
+              <a:latin typeface="Arial"/>
+            </a:endParaRPr>
+          </a:p>
+          <a:p>
+            <a:endParaRPr b="0" i="1" lang="en-US" sz="4000" spc="-1" strike="noStrike">
+              <a:solidFill>
+                <a:srgbClr val="ffffd7"/>
+              </a:solidFill>
+              <a:latin typeface="Arial"/>
+            </a:endParaRPr>
+          </a:p>
+          <a:p>
+            <a:r>
+              <a:rPr b="1" i="1" lang="en-US" sz="2600" spc="-1" strike="noStrike">
+                <a:solidFill>
+                  <a:srgbClr val="ffffd7"/>
+                </a:solidFill>
+                <a:latin typeface="Arial"/>
+              </a:rPr>
+              <a:t>M. Ali Abrar </a:t>
+            </a:r>
+            <a:r>
+              <a:rPr b="1" i="1" lang="en-US" sz="2600" spc="-1" strike="noStrike">
+                <a:solidFill>
+                  <a:srgbClr val="ffffd7"/>
+                </a:solidFill>
+                <a:latin typeface="Arial"/>
+              </a:rPr>
+              <a:t>Khan</a:t>
+            </a:r>
+            <a:endParaRPr b="0" i="1" lang="en-US" sz="2600" spc="-1" strike="noStrike">
+              <a:solidFill>
+                <a:srgbClr val="ffffd7"/>
+              </a:solidFill>
+              <a:latin typeface="Arial"/>
+            </a:endParaRPr>
+          </a:p>
+          <a:p>
+            <a:r>
+              <a:rPr b="0" i="1" lang="en-US" sz="2600" spc="-1" strike="noStrike">
+                <a:solidFill>
+                  <a:srgbClr val="ffffd7"/>
+                </a:solidFill>
+                <a:latin typeface="Arial"/>
+              </a:rPr>
               <a:t>ID:121</a:t>
             </a:r>
-            <a:endParaRPr b="0" lang="en-US" sz="2600" spc="-1" strike="noStrike">
-              <a:solidFill>
-                <a:srgbClr val="000000"/>
-              </a:solidFill>
-              <a:latin typeface="Arial"/>
-            </a:endParaRPr>
-          </a:p>
-          <a:p>
-            <a:r>
-              <a:rPr b="0" lang="en-US" sz="2600" spc="-1" strike="noStrike">
+            <a:endParaRPr b="0" i="1" lang="en-US" sz="2600" spc="-1" strike="noStrike">
+              <a:solidFill>
+                <a:srgbClr val="ffffd7"/>
+              </a:solidFill>
+              <a:latin typeface="Arial"/>
+            </a:endParaRPr>
+          </a:p>
+          <a:p>
+            <a:r>
+              <a:rPr b="0" i="1" lang="en-US" sz="2600" spc="-1" strike="noStrike">
                 <a:solidFill>
-                  <a:srgbClr val="000000"/>
+                  <a:srgbClr val="ffffd7"/>
                 </a:solidFill>
                 <a:latin typeface="Arial"/>
               </a:rPr>
               <a:t>Section: 8A</a:t>
             </a:r>
-            <a:endParaRPr b="0" lang="en-US" sz="2600" spc="-1" strike="noStrike">
-              <a:solidFill>
-                <a:srgbClr val="000000"/>
-              </a:solidFill>
-              <a:latin typeface="Arial"/>
-            </a:endParaRPr>
-          </a:p>
-          <a:p>
-            <a:r>
-              <a:rPr b="0" lang="en-US" sz="2600" spc="-1" strike="noStrike">
+            <a:endParaRPr b="0" i="1" lang="en-US" sz="2600" spc="-1" strike="noStrike">
+              <a:solidFill>
+                <a:srgbClr val="ffffd7"/>
+              </a:solidFill>
+              <a:latin typeface="Arial"/>
+            </a:endParaRPr>
+          </a:p>
+          <a:p>
+            <a:r>
+              <a:rPr b="0" i="1" lang="en-US" sz="2600" spc="-1" strike="noStrike">
                 <a:solidFill>
-                  <a:srgbClr val="000000"/>
+                  <a:srgbClr val="ffffd7"/>
                 </a:solidFill>
                 <a:latin typeface="Arial"/>
               </a:rPr>
-              <a:t>Dept. of CSE, NUBTK</a:t>
-            </a:r>
-            <a:endParaRPr b="0" lang="en-US" sz="2600" spc="-1" strike="noStrike">
-              <a:solidFill>
-                <a:srgbClr val="000000"/>
+              <a:t>Dept. of CSE, </a:t>
+            </a:r>
+            <a:r>
+              <a:rPr b="0" i="1" lang="en-US" sz="2600" spc="-1" strike="noStrike">
+                <a:solidFill>
+                  <a:srgbClr val="ffffd7"/>
+                </a:solidFill>
+                <a:latin typeface="Arial"/>
+              </a:rPr>
+              <a:t>NUBTK</a:t>
+            </a:r>
+            <a:endParaRPr b="0" i="1" lang="en-US" sz="2600" spc="-1" strike="noStrike">
+              <a:solidFill>
+                <a:srgbClr val="ffffd7"/>
               </a:solidFill>
               <a:latin typeface="Arial"/>
             </a:endParaRPr>
@@ -4538,7 +4400,7 @@
           </a:bodyPr>
           <a:p>
             <a:pPr algn="ctr"/>
-            <a:fld id="{B1089685-FF82-4986-9E6C-1B2FD84ADCA8}" type="slidenum">
+            <a:fld id="{ACED6ECD-EFC5-4317-A86D-9F254D2EFB6C}" type="slidenum">
               <a:rPr b="0" lang="en-US" sz="2400" spc="-1" strike="noStrike">
                 <a:latin typeface="Arial"/>
               </a:rPr>
@@ -4550,6 +4412,54 @@
           </a:p>
         </p:txBody>
       </p:sp>
+      <p:pic>
+        <p:nvPicPr>
+          <p:cNvPr id="87" name="" descr=""/>
+          <p:cNvPicPr/>
+          <p:nvPr/>
+        </p:nvPicPr>
+        <p:blipFill>
+          <a:blip r:embed="rId1"/>
+          <a:srcRect l="0" t="0" r="0" b="12949"/>
+          <a:stretch/>
+        </p:blipFill>
+        <p:spPr>
+          <a:xfrm>
+            <a:off x="1737360" y="2103120"/>
+            <a:ext cx="1788840" cy="2017440"/>
+          </a:xfrm>
+          <a:prstGeom prst="rect">
+            <a:avLst/>
+          </a:prstGeom>
+          <a:ln>
+            <a:noFill/>
+          </a:ln>
+        </p:spPr>
+      </p:pic>
+      <p:pic>
+        <p:nvPicPr>
+          <p:cNvPr id="88" name="" descr=""/>
+          <p:cNvPicPr/>
+          <p:nvPr/>
+        </p:nvPicPr>
+        <p:blipFill>
+          <a:blip r:embed="rId2"/>
+          <a:srcRect l="0" t="8136" r="0" b="4775"/>
+          <a:stretch/>
+        </p:blipFill>
+        <p:spPr>
+          <a:xfrm>
+            <a:off x="1737360" y="4389120"/>
+            <a:ext cx="1805760" cy="2083680"/>
+          </a:xfrm>
+          <a:prstGeom prst="rect">
+            <a:avLst/>
+          </a:prstGeom>
+          <a:ln>
+            <a:noFill/>
+          </a:ln>
+        </p:spPr>
+      </p:pic>
     </p:spTree>
   </p:cSld>
   <mc:AlternateContent>
@@ -4582,7 +4492,7 @@
       </p:grpSpPr>
       <p:sp>
         <p:nvSpPr>
-          <p:cNvPr id="87" name="TextShape 1"/>
+          <p:cNvPr id="89" name="TextShape 1"/>
           <p:cNvSpPr txBox="1"/>
           <p:nvPr/>
         </p:nvSpPr>
@@ -4642,7 +4552,7 @@
       </p:sp>
       <p:sp>
         <p:nvSpPr>
-          <p:cNvPr id="88" name="TextShape 2"/>
+          <p:cNvPr id="90" name="TextShape 2"/>
           <p:cNvSpPr txBox="1"/>
           <p:nvPr/>
         </p:nvSpPr>
@@ -4671,7 +4581,16 @@
                 </a:solidFill>
                 <a:latin typeface="Arial"/>
               </a:rPr>
-              <a:t>Project Title:</a:t>
+              <a:t>Project </a:t>
+            </a:r>
+            <a:r>
+              <a:rPr b="0" lang="en-US" sz="4400" spc="-1" strike="noStrike">
+                <a:solidFill>
+                  <a:srgbClr val="ffffff"/>
+                </a:solidFill>
+                <a:latin typeface="Arial"/>
+              </a:rPr>
+              <a:t>Title:</a:t>
             </a:r>
             <a:br/>
             <a:r>
@@ -4681,9 +4600,8 @@
                 </a:solidFill>
                 <a:latin typeface="Arial"/>
               </a:rPr>
-              <a:t>Industrial network design in Packet Tracer and Employee Attendance System using </a:t>
-            </a:r>
-            <a:br/>
+              <a:t>Industria</a:t>
+            </a:r>
             <a:r>
               <a:rPr b="1" lang="en-US" sz="4800" spc="-1" strike="noStrike">
                 <a:solidFill>
@@ -4691,7 +4609,143 @@
                 </a:solidFill>
                 <a:latin typeface="Arial"/>
               </a:rPr>
-              <a:t>static IP and MAC</a:t>
+              <a:t>l </a:t>
+            </a:r>
+            <a:r>
+              <a:rPr b="1" lang="en-US" sz="4800" spc="-1" strike="noStrike">
+                <a:solidFill>
+                  <a:srgbClr val="ffffff"/>
+                </a:solidFill>
+                <a:latin typeface="Arial"/>
+              </a:rPr>
+              <a:t>network </a:t>
+            </a:r>
+            <a:r>
+              <a:rPr b="1" lang="en-US" sz="4800" spc="-1" strike="noStrike">
+                <a:solidFill>
+                  <a:srgbClr val="ffffff"/>
+                </a:solidFill>
+                <a:latin typeface="Arial"/>
+              </a:rPr>
+              <a:t>design </a:t>
+            </a:r>
+            <a:r>
+              <a:rPr b="1" lang="en-US" sz="4800" spc="-1" strike="noStrike">
+                <a:solidFill>
+                  <a:srgbClr val="ffffff"/>
+                </a:solidFill>
+                <a:latin typeface="Arial"/>
+              </a:rPr>
+              <a:t>in </a:t>
+            </a:r>
+            <a:r>
+              <a:rPr b="1" lang="en-US" sz="4800" spc="-1" strike="noStrike">
+                <a:solidFill>
+                  <a:srgbClr val="ffffff"/>
+                </a:solidFill>
+                <a:latin typeface="Arial"/>
+              </a:rPr>
+              <a:t>Packet </a:t>
+            </a:r>
+            <a:r>
+              <a:rPr b="1" lang="en-US" sz="4800" spc="-1" strike="noStrike">
+                <a:solidFill>
+                  <a:srgbClr val="ffffff"/>
+                </a:solidFill>
+                <a:latin typeface="Arial"/>
+              </a:rPr>
+              <a:t>Tracer </a:t>
+            </a:r>
+            <a:r>
+              <a:rPr b="1" lang="en-US" sz="4800" spc="-1" strike="noStrike">
+                <a:solidFill>
+                  <a:srgbClr val="ffffff"/>
+                </a:solidFill>
+                <a:latin typeface="Arial"/>
+              </a:rPr>
+              <a:t>and </a:t>
+            </a:r>
+            <a:r>
+              <a:rPr b="1" lang="en-US" sz="4800" spc="-1" strike="noStrike">
+                <a:solidFill>
+                  <a:srgbClr val="ffffff"/>
+                </a:solidFill>
+                <a:latin typeface="Arial"/>
+              </a:rPr>
+              <a:t>Employe</a:t>
+            </a:r>
+            <a:r>
+              <a:rPr b="1" lang="en-US" sz="4800" spc="-1" strike="noStrike">
+                <a:solidFill>
+                  <a:srgbClr val="ffffff"/>
+                </a:solidFill>
+                <a:latin typeface="Arial"/>
+              </a:rPr>
+              <a:t>e </a:t>
+            </a:r>
+            <a:r>
+              <a:rPr b="1" lang="en-US" sz="4800" spc="-1" strike="noStrike">
+                <a:solidFill>
+                  <a:srgbClr val="ffffff"/>
+                </a:solidFill>
+                <a:latin typeface="Arial"/>
+              </a:rPr>
+              <a:t>Attenda</a:t>
+            </a:r>
+            <a:r>
+              <a:rPr b="1" lang="en-US" sz="4800" spc="-1" strike="noStrike">
+                <a:solidFill>
+                  <a:srgbClr val="ffffff"/>
+                </a:solidFill>
+                <a:latin typeface="Arial"/>
+              </a:rPr>
+              <a:t>nce </a:t>
+            </a:r>
+            <a:r>
+              <a:rPr b="1" lang="en-US" sz="4800" spc="-1" strike="noStrike">
+                <a:solidFill>
+                  <a:srgbClr val="ffffff"/>
+                </a:solidFill>
+                <a:latin typeface="Arial"/>
+              </a:rPr>
+              <a:t>System </a:t>
+            </a:r>
+            <a:r>
+              <a:rPr b="1" lang="en-US" sz="4800" spc="-1" strike="noStrike">
+                <a:solidFill>
+                  <a:srgbClr val="ffffff"/>
+                </a:solidFill>
+                <a:latin typeface="Arial"/>
+              </a:rPr>
+              <a:t>using </a:t>
+            </a:r>
+            <a:br/>
+            <a:r>
+              <a:rPr b="1" lang="en-US" sz="4800" spc="-1" strike="noStrike">
+                <a:solidFill>
+                  <a:srgbClr val="ffffff"/>
+                </a:solidFill>
+                <a:latin typeface="Arial"/>
+              </a:rPr>
+              <a:t>static IP </a:t>
+            </a:r>
+            <a:r>
+              <a:rPr b="1" lang="en-US" sz="4800" spc="-1" strike="noStrike">
+                <a:solidFill>
+                  <a:srgbClr val="ffffff"/>
+                </a:solidFill>
+                <a:latin typeface="Arial"/>
+              </a:rPr>
+              <a:t>and </a:t>
+            </a:r>
+            <a:r>
+              <a:rPr b="1" lang="en-US" sz="4800" spc="-1" strike="noStrike">
+                <a:solidFill>
+                  <a:srgbClr val="ffffff"/>
+                </a:solidFill>
+                <a:latin typeface="Arial"/>
+              </a:rPr>
+              <a:t>MAC</a:t>
             </a:r>
             <a:endParaRPr b="0" lang="en-US" sz="4800" spc="-1" strike="noStrike">
               <a:solidFill>
@@ -4704,7 +4758,7 @@
       </p:sp>
       <p:sp>
         <p:nvSpPr>
-          <p:cNvPr id="89" name="TextShape 3"/>
+          <p:cNvPr id="91" name="TextShape 3"/>
           <p:cNvSpPr txBox="1"/>
           <p:nvPr/>
         </p:nvSpPr>
@@ -4727,7 +4781,7 @@
           </a:bodyPr>
           <a:p>
             <a:pPr algn="ctr"/>
-            <a:fld id="{DF6A66B2-1A3B-4439-BF4E-D18E3723CBB2}" type="slidenum">
+            <a:fld id="{DDF317E6-CA28-4629-9067-C4E27B41B005}" type="slidenum">
               <a:rPr b="0" lang="en-US" sz="2400" spc="-1" strike="noStrike">
                 <a:latin typeface="Arial"/>
               </a:rPr>
@@ -4771,7 +4825,7 @@
       </p:grpSpPr>
       <p:sp>
         <p:nvSpPr>
-          <p:cNvPr id="90" name="TextShape 1"/>
+          <p:cNvPr id="92" name="TextShape 1"/>
           <p:cNvSpPr txBox="1"/>
           <p:nvPr/>
         </p:nvSpPr>
@@ -4798,7 +4852,19 @@
               <a:rPr b="0" lang="en-US" sz="4400" spc="-1" strike="noStrike">
                 <a:latin typeface="Arial"/>
               </a:rPr>
-              <a:t>Part 1- Network Design</a:t>
+              <a:t>Part 1- </a:t>
+            </a:r>
+            <a:r>
+              <a:rPr b="0" lang="en-US" sz="4400" spc="-1" strike="noStrike">
+                <a:latin typeface="Arial"/>
+              </a:rPr>
+              <a:t>Network </a:t>
+            </a:r>
+            <a:r>
+              <a:rPr b="0" lang="en-US" sz="4400" spc="-1" strike="noStrike">
+                <a:latin typeface="Arial"/>
+              </a:rPr>
+              <a:t>Design</a:t>
             </a:r>
             <a:endParaRPr b="0" lang="en-US" sz="4400" spc="-1" strike="noStrike">
               <a:latin typeface="Arial"/>
@@ -4808,7 +4874,7 @@
       </p:sp>
       <p:sp>
         <p:nvSpPr>
-          <p:cNvPr id="91" name="TextShape 2"/>
+          <p:cNvPr id="93" name="TextShape 2"/>
           <p:cNvSpPr txBox="1"/>
           <p:nvPr/>
         </p:nvSpPr>
@@ -5053,7 +5119,7 @@
       </p:sp>
       <p:sp>
         <p:nvSpPr>
-          <p:cNvPr id="92" name="TextShape 3"/>
+          <p:cNvPr id="94" name="TextShape 3"/>
           <p:cNvSpPr txBox="1"/>
           <p:nvPr/>
         </p:nvSpPr>
@@ -5076,11 +5142,11 @@
           </a:bodyPr>
           <a:p>
             <a:pPr algn="ctr"/>
-            <a:fld id="{224F493E-62E3-4436-9E72-1FA92B819F5E}" type="slidenum">
+            <a:fld id="{3FE2543C-F6C0-4E0D-AC38-B281BA3D28E7}" type="slidenum">
               <a:rPr b="0" lang="en-US" sz="2400" spc="-1" strike="noStrike">
                 <a:latin typeface="Arial"/>
               </a:rPr>
-              <a:t>&lt;number&gt;</a:t>
+              <a:t>4</a:t>
             </a:fld>
             <a:endParaRPr b="0" lang="en-US" sz="2400" spc="-1" strike="noStrike">
               <a:latin typeface="Arial"/>
@@ -5120,7 +5186,7 @@
       </p:grpSpPr>
       <p:sp>
         <p:nvSpPr>
-          <p:cNvPr id="93" name="TextShape 1"/>
+          <p:cNvPr id="95" name="TextShape 1"/>
           <p:cNvSpPr txBox="1"/>
           <p:nvPr/>
         </p:nvSpPr>
@@ -5147,7 +5213,19 @@
               <a:rPr b="0" lang="en-US" sz="4400" spc="-1" strike="noStrike">
                 <a:latin typeface="Arial"/>
               </a:rPr>
-              <a:t>Part 1- Network Design</a:t>
+              <a:t>Part 1- </a:t>
+            </a:r>
+            <a:r>
+              <a:rPr b="0" lang="en-US" sz="4400" spc="-1" strike="noStrike">
+                <a:latin typeface="Arial"/>
+              </a:rPr>
+              <a:t>Network </a:t>
+            </a:r>
+            <a:r>
+              <a:rPr b="0" lang="en-US" sz="4400" spc="-1" strike="noStrike">
+                <a:latin typeface="Arial"/>
+              </a:rPr>
+              <a:t>Design</a:t>
             </a:r>
             <a:endParaRPr b="0" lang="en-US" sz="4400" spc="-1" strike="noStrike">
               <a:latin typeface="Arial"/>
@@ -5157,7 +5235,7 @@
       </p:sp>
       <p:sp>
         <p:nvSpPr>
-          <p:cNvPr id="94" name="TextShape 2"/>
+          <p:cNvPr id="96" name="TextShape 2"/>
           <p:cNvSpPr txBox="1"/>
           <p:nvPr/>
         </p:nvSpPr>
@@ -5180,11 +5258,11 @@
           </a:bodyPr>
           <a:p>
             <a:pPr algn="ctr"/>
-            <a:fld id="{E9375CC9-F4EC-4C76-8D02-F6C716698617}" type="slidenum">
+            <a:fld id="{887D0683-33D8-4E97-8408-C19E463542DA}" type="slidenum">
               <a:rPr b="0" lang="en-US" sz="1800" spc="-1" strike="noStrike">
                 <a:latin typeface="Arial"/>
               </a:rPr>
-              <a:t>&lt;number&gt;</a:t>
+              <a:t>4</a:t>
             </a:fld>
             <a:endParaRPr b="0" lang="en-US" sz="1800" spc="-1" strike="noStrike">
               <a:latin typeface="Arial"/>
@@ -5194,7 +5272,7 @@
       </p:sp>
       <p:pic>
         <p:nvPicPr>
-          <p:cNvPr id="95" name="" descr=""/>
+          <p:cNvPr id="97" name="" descr=""/>
           <p:cNvPicPr/>
           <p:nvPr/>
         </p:nvPicPr>
@@ -5248,7 +5326,7 @@
       </p:grpSpPr>
       <p:sp>
         <p:nvSpPr>
-          <p:cNvPr id="96" name="TextShape 1"/>
+          <p:cNvPr id="98" name="TextShape 1"/>
           <p:cNvSpPr txBox="1"/>
           <p:nvPr/>
         </p:nvSpPr>
@@ -5275,115 +5353,21 @@
               <a:rPr b="0" lang="en-US" sz="4400" spc="-1" strike="noStrike">
                 <a:latin typeface="Arial"/>
               </a:rPr>
-              <a:t>Part 1- Network Design</a:t>
+              <a:t>Part 1- </a:t>
+            </a:r>
+            <a:r>
+              <a:rPr b="0" lang="en-US" sz="4400" spc="-1" strike="noStrike">
+                <a:latin typeface="Arial"/>
+              </a:rPr>
+              <a:t>Network </a:t>
+            </a:r>
+            <a:r>
+              <a:rPr b="0" lang="en-US" sz="4400" spc="-1" strike="noStrike">
+                <a:latin typeface="Arial"/>
+              </a:rPr>
+              <a:t>Design</a:t>
             </a:r>
             <a:endParaRPr b="0" lang="en-US" sz="4400" spc="-1" strike="noStrike">
-              <a:latin typeface="Arial"/>
-            </a:endParaRPr>
-          </a:p>
-        </p:txBody>
-      </p:sp>
-      <p:sp>
-        <p:nvSpPr>
-          <p:cNvPr id="97" name="TextShape 2"/>
-          <p:cNvSpPr txBox="1"/>
-          <p:nvPr/>
-        </p:nvSpPr>
-        <p:spPr>
-          <a:xfrm>
-            <a:off x="559440" y="1368000"/>
-            <a:ext cx="9071640" cy="4384440"/>
-          </a:xfrm>
-          <a:prstGeom prst="rect">
-            <a:avLst/>
-          </a:prstGeom>
-          <a:noFill/>
-          <a:ln>
-            <a:noFill/>
-          </a:ln>
-        </p:spPr>
-        <p:txBody>
-          <a:bodyPr lIns="0" rIns="0" tIns="0" bIns="0">
-            <a:normAutofit/>
-          </a:bodyPr>
-          <a:p>
-            <a:pPr marL="432000" indent="-324000">
-              <a:spcBef>
-                <a:spcPts val="1417"/>
-              </a:spcBef>
-              <a:buClr>
-                <a:srgbClr val="000000"/>
-              </a:buClr>
-              <a:buSzPct val="45000"/>
-              <a:buFont typeface="Wingdings" charset="2"/>
-              <a:buChar char=""/>
-            </a:pPr>
-            <a:r>
-              <a:rPr b="0" lang="en-US" sz="2800" spc="-1" strike="noStrike">
-                <a:latin typeface="Arial"/>
-              </a:rPr>
-              <a:t>Network IP Sub netting Table:</a:t>
-            </a:r>
-            <a:endParaRPr b="0" lang="en-US" sz="2800" spc="-1" strike="noStrike">
-              <a:latin typeface="Arial"/>
-            </a:endParaRPr>
-          </a:p>
-          <a:p>
-            <a:pPr marL="432000" indent="-324000">
-              <a:spcBef>
-                <a:spcPts val="1417"/>
-              </a:spcBef>
-              <a:buClr>
-                <a:srgbClr val="000000"/>
-              </a:buClr>
-              <a:buSzPct val="45000"/>
-              <a:buFont typeface="Wingdings" charset="2"/>
-              <a:buChar char=""/>
-            </a:pPr>
-            <a:r>
-              <a:rPr b="0" lang="en-US" sz="3200" spc="-1" strike="noStrike">
-                <a:latin typeface="Arial"/>
-              </a:rPr>
-              <a:t> </a:t>
-            </a:r>
-            <a:endParaRPr b="0" lang="en-US" sz="3200" spc="-1" strike="noStrike">
-              <a:latin typeface="Arial"/>
-            </a:endParaRPr>
-          </a:p>
-        </p:txBody>
-      </p:sp>
-      <p:sp>
-        <p:nvSpPr>
-          <p:cNvPr id="98" name="TextShape 3"/>
-          <p:cNvSpPr txBox="1"/>
-          <p:nvPr/>
-        </p:nvSpPr>
-        <p:spPr>
-          <a:xfrm>
-            <a:off x="8620560" y="1091880"/>
-            <a:ext cx="1570680" cy="704520"/>
-          </a:xfrm>
-          <a:prstGeom prst="rect">
-            <a:avLst/>
-          </a:prstGeom>
-          <a:noFill/>
-          <a:ln>
-            <a:noFill/>
-          </a:ln>
-        </p:spPr>
-        <p:txBody>
-          <a:bodyPr lIns="90000" rIns="90000" tIns="45000" bIns="45000">
-            <a:noAutofit/>
-          </a:bodyPr>
-          <a:p>
-            <a:pPr algn="ctr"/>
-            <a:fld id="{0364D120-CBA0-438C-B85F-269BA817B36F}" type="slidenum">
-              <a:rPr b="0" lang="en-US" sz="2400" spc="-1" strike="noStrike">
-                <a:latin typeface="Arial"/>
-              </a:rPr>
-              <a:t>&lt;number&gt;</a:t>
-            </a:fld>
-            <a:endParaRPr b="0" lang="en-US" sz="2400" spc="-1" strike="noStrike">
               <a:latin typeface="Arial"/>
             </a:endParaRPr>
           </a:p>
@@ -5391,13 +5375,13 @@
       </p:sp>
       <p:graphicFrame>
         <p:nvGraphicFramePr>
-          <p:cNvPr id="99" name="Table 4"/>
+          <p:cNvPr id="99" name="Table 2"/>
           <p:cNvGraphicFramePr/>
           <p:nvPr/>
         </p:nvGraphicFramePr>
         <p:xfrm>
           <a:off x="822960" y="1769040"/>
-          <a:ext cx="8412120" cy="5363280"/>
+          <a:ext cx="8412120" cy="6590160"/>
         </p:xfrm>
         <a:graphic>
           <a:graphicData uri="http://schemas.openxmlformats.org/drawingml/2006/table">
@@ -5408,7 +5392,7 @@
                 <a:gridCol w="3042000"/>
                 <a:gridCol w="2805120"/>
               </a:tblGrid>
-              <a:tr h="319680">
+              <a:tr h="475200">
                 <a:tc>
                   <a:txBody>
                     <a:bodyPr lIns="90000" rIns="90000" tIns="46800" bIns="46800">
@@ -5496,6 +5480,43 @@
                   </a:tcPr>
                 </a:tc>
                 <a:tc>
+                  <a:txBody>
+                    <a:bodyPr lIns="90000" rIns="90000" tIns="46800" bIns="46800">
+                      <a:noAutofit/>
+                    </a:bodyPr>
+                    <a:p>
+                      <a:pPr>
+                        <a:lnSpc>
+                          <a:spcPct val="100000"/>
+                        </a:lnSpc>
+                      </a:pPr>
+                      <a:r>
+                        <a:rPr b="1" lang="en-US" sz="1600" spc="-1" strike="noStrike">
+                          <a:latin typeface="Arial"/>
+                        </a:rPr>
+                        <a:t>CIDR Notation: /27</a:t>
+                      </a:r>
+                      <a:endParaRPr b="0" lang="en-US" sz="1600" spc="-1" strike="noStrike">
+                        <a:latin typeface="Arial"/>
+                      </a:endParaRPr>
+                    </a:p>
+                    <a:p>
+                      <a:pPr>
+                        <a:lnSpc>
+                          <a:spcPct val="100000"/>
+                        </a:lnSpc>
+                      </a:pPr>
+                      <a:r>
+                        <a:rPr b="1" lang="en-US" sz="1100" spc="-1" strike="noStrike">
+                          <a:latin typeface="Arial"/>
+                        </a:rPr>
+                        <a:t>(Classless Inter-Domain Routing)</a:t>
+                      </a:r>
+                      <a:endParaRPr b="0" lang="en-US" sz="1100" spc="-1" strike="noStrike">
+                        <a:latin typeface="Arial"/>
+                      </a:endParaRPr>
+                    </a:p>
+                  </a:txBody>
                   <a:tcPr marL="90000" marR="90000">
                     <a:lnL w="720">
                       <a:solidFill>
@@ -5611,35 +5632,6 @@
                   </a:tcPr>
                 </a:tc>
                 <a:tc>
-                  <a:tcPr marL="90000" marR="90000">
-                    <a:lnL w="720">
-                      <a:solidFill>
-                        <a:srgbClr val="ffffff"/>
-                      </a:solidFill>
-                    </a:lnL>
-                    <a:lnR w="720">
-                      <a:solidFill>
-                        <a:srgbClr val="ffffff"/>
-                      </a:solidFill>
-                    </a:lnR>
-                    <a:lnT w="720">
-                      <a:solidFill>
-                        <a:srgbClr val="ffffff"/>
-                      </a:solidFill>
-                    </a:lnT>
-                    <a:lnB w="720">
-                      <a:solidFill>
-                        <a:srgbClr val="ffffff"/>
-                      </a:solidFill>
-                    </a:lnB>
-                    <a:solidFill>
-                      <a:srgbClr val="cccccc"/>
-                    </a:solidFill>
-                  </a:tcPr>
-                </a:tc>
-              </a:tr>
-              <a:tr h="771120">
-                <a:tc>
                   <a:txBody>
                     <a:bodyPr lIns="90000" rIns="90000" tIns="46800" bIns="46800">
                       <a:noAutofit/>
@@ -5649,110 +5641,7 @@
                         <a:rPr b="1" lang="en-US" sz="1600" spc="-1" strike="noStrike">
                           <a:latin typeface="Arial"/>
                         </a:rPr>
-                        <a:t>CIDR Notation:</a:t>
-                      </a:r>
-                      <a:endParaRPr b="1" lang="en-US" sz="1600" spc="-1" strike="noStrike">
-                        <a:latin typeface="Arial"/>
-                      </a:endParaRPr>
-                    </a:p>
-                    <a:p>
-                      <a:r>
-                        <a:rPr b="1" lang="en-US" sz="1600" spc="-1" strike="noStrike">
-                          <a:latin typeface="Arial"/>
-                        </a:rPr>
-                        <a:t>(Classless Inter-Domain Routing)</a:t>
-                      </a:r>
-                      <a:endParaRPr b="1" lang="en-US" sz="1600" spc="-1" strike="noStrike">
-                        <a:latin typeface="Arial"/>
-                      </a:endParaRPr>
-                    </a:p>
-                  </a:txBody>
-                  <a:tcPr marL="90000" marR="90000">
-                    <a:lnL w="720">
-                      <a:solidFill>
-                        <a:srgbClr val="ffffff"/>
-                      </a:solidFill>
-                    </a:lnL>
-                    <a:lnR w="720">
-                      <a:solidFill>
-                        <a:srgbClr val="ffffff"/>
-                      </a:solidFill>
-                    </a:lnR>
-                    <a:lnT w="720">
-                      <a:solidFill>
-                        <a:srgbClr val="ffffff"/>
-                      </a:solidFill>
-                    </a:lnT>
-                    <a:lnB w="720">
-                      <a:solidFill>
-                        <a:srgbClr val="ffffff"/>
-                      </a:solidFill>
-                    </a:lnB>
-                    <a:solidFill>
-                      <a:srgbClr val="e6e6e6"/>
-                    </a:solidFill>
-                  </a:tcPr>
-                </a:tc>
-                <a:tc>
-                  <a:txBody>
-                    <a:bodyPr lIns="90000" rIns="90000" tIns="46800" bIns="46800">
-                      <a:noAutofit/>
-                    </a:bodyPr>
-                    <a:p>
-                      <a:r>
-                        <a:rPr b="0" lang="en-US" sz="1500" spc="-1" strike="noStrike">
-                          <a:latin typeface="Arial"/>
-                        </a:rPr>
-                        <a:t>/27</a:t>
-                      </a:r>
-                      <a:endParaRPr b="0" lang="en-US" sz="1500" spc="-1" strike="noStrike">
-                        <a:latin typeface="Arial"/>
-                      </a:endParaRPr>
-                    </a:p>
-                  </a:txBody>
-                  <a:tcPr marL="90000" marR="90000">
-                    <a:lnL w="720">
-                      <a:solidFill>
-                        <a:srgbClr val="ffffff"/>
-                      </a:solidFill>
-                    </a:lnL>
-                    <a:lnR w="720">
-                      <a:solidFill>
-                        <a:srgbClr val="ffffff"/>
-                      </a:solidFill>
-                    </a:lnR>
-                    <a:lnT w="720">
-                      <a:solidFill>
-                        <a:srgbClr val="ffffff"/>
-                      </a:solidFill>
-                    </a:lnT>
-                    <a:lnB w="720">
-                      <a:solidFill>
-                        <a:srgbClr val="ffffff"/>
-                      </a:solidFill>
-                    </a:lnB>
-                    <a:solidFill>
-                      <a:srgbClr val="e6e6e6"/>
-                    </a:solidFill>
-                  </a:tcPr>
-                </a:tc>
-                <a:tc>
-                  <a:txBody>
-                    <a:bodyPr lIns="90000" rIns="90000" tIns="46800" bIns="46800">
-                      <a:noAutofit/>
-                    </a:bodyPr>
-                    <a:p>
-                      <a:r>
-                        <a:rPr b="1" lang="en-US" sz="1600" spc="-1" strike="noStrike">
-                          <a:latin typeface="Arial"/>
-                        </a:rPr>
-                        <a:t>Total Number of Hosts:</a:t>
-                      </a:r>
-                      <a:r>
-                        <a:rPr b="0" lang="en-US" sz="1600" spc="-1" strike="noStrike">
-                          <a:latin typeface="Arial"/>
-                        </a:rPr>
-                        <a:t> 32</a:t>
+                        <a:t>IP Class : C</a:t>
                       </a:r>
                       <a:endParaRPr b="0" lang="en-US" sz="1600" spc="-1" strike="noStrike">
                         <a:latin typeface="Arial"/>
@@ -5781,7 +5670,7 @@
                       </a:solidFill>
                     </a:lnB>
                     <a:solidFill>
-                      <a:srgbClr val="e6e6e6"/>
+                      <a:srgbClr val="cccccc"/>
                     </a:solidFill>
                   </a:tcPr>
                 </a:tc>
@@ -5797,9 +5686,9 @@
                         <a:rPr b="1" lang="en-US" sz="1600" spc="-1" strike="noStrike">
                           <a:latin typeface="Arial"/>
                         </a:rPr>
-                        <a:t>IP Class :</a:t>
+                        <a:t>Total Number of Hosts: 32</a:t>
                       </a:r>
-                      <a:endParaRPr b="1" lang="en-US" sz="1600" spc="-1" strike="noStrike">
+                      <a:endParaRPr b="0" lang="en-US" sz="1600" spc="-1" strike="noStrike">
                         <a:latin typeface="Arial"/>
                       </a:endParaRPr>
                     </a:p>
@@ -5826,50 +5715,7 @@
                       </a:solidFill>
                     </a:lnB>
                     <a:solidFill>
-                      <a:srgbClr val="cccccc"/>
-                    </a:solidFill>
-                  </a:tcPr>
-                </a:tc>
-                <a:tc>
-                  <a:txBody>
-                    <a:bodyPr lIns="90000" rIns="90000" tIns="46800" bIns="46800">
-                      <a:noAutofit/>
-                    </a:bodyPr>
-                    <a:p>
-                      <a:r>
-                        <a:rPr b="0" lang="en-US" sz="1500" spc="-1" strike="noStrike">
-                          <a:latin typeface="Arial"/>
-                        </a:rPr>
-                        <a:t>C</a:t>
-                      </a:r>
-                      <a:endParaRPr b="0" lang="en-US" sz="1500" spc="-1" strike="noStrike">
-                        <a:latin typeface="Arial"/>
-                      </a:endParaRPr>
-                    </a:p>
-                  </a:txBody>
-                  <a:tcPr marL="90000" marR="90000">
-                    <a:lnL w="720">
-                      <a:solidFill>
-                        <a:srgbClr val="ffffff"/>
-                      </a:solidFill>
-                    </a:lnL>
-                    <a:lnR w="720">
-                      <a:solidFill>
-                        <a:srgbClr val="ffffff"/>
-                      </a:solidFill>
-                    </a:lnR>
-                    <a:lnT w="720">
-                      <a:solidFill>
-                        <a:srgbClr val="ffffff"/>
-                      </a:solidFill>
-                    </a:lnT>
-                    <a:lnB w="720">
-                      <a:solidFill>
-                        <a:srgbClr val="ffffff"/>
-                      </a:solidFill>
-                    </a:lnB>
-                    <a:solidFill>
-                      <a:srgbClr val="cccccc"/>
+                      <a:srgbClr val="e6e6e6"/>
                     </a:solidFill>
                   </a:tcPr>
                 </a:tc>
@@ -5912,62 +5758,6 @@
                       </a:solidFill>
                     </a:lnB>
                     <a:solidFill>
-                      <a:srgbClr val="cccccc"/>
-                    </a:solidFill>
-                  </a:tcPr>
-                </a:tc>
-              </a:tr>
-              <a:tr h="349920">
-                <a:tc>
-                  <a:tcPr marL="90000" marR="90000">
-                    <a:lnL w="720">
-                      <a:solidFill>
-                        <a:srgbClr val="ffffff"/>
-                      </a:solidFill>
-                    </a:lnL>
-                    <a:lnR w="720">
-                      <a:solidFill>
-                        <a:srgbClr val="ffffff"/>
-                      </a:solidFill>
-                    </a:lnR>
-                    <a:lnT w="720">
-                      <a:solidFill>
-                        <a:srgbClr val="ffffff"/>
-                      </a:solidFill>
-                    </a:lnT>
-                    <a:lnB w="720">
-                      <a:solidFill>
-                        <a:srgbClr val="ffffff"/>
-                      </a:solidFill>
-                    </a:lnB>
-                    <a:solidFill>
-                      <a:srgbClr val="e6e6e6"/>
-                    </a:solidFill>
-                  </a:tcPr>
-                </a:tc>
-                <a:tc>
-                  <a:tcPr marL="90000" marR="90000">
-                    <a:lnL w="720">
-                      <a:solidFill>
-                        <a:srgbClr val="ffffff"/>
-                      </a:solidFill>
-                    </a:lnL>
-                    <a:lnR w="720">
-                      <a:solidFill>
-                        <a:srgbClr val="ffffff"/>
-                      </a:solidFill>
-                    </a:lnR>
-                    <a:lnT w="720">
-                      <a:solidFill>
-                        <a:srgbClr val="ffffff"/>
-                      </a:solidFill>
-                    </a:lnT>
-                    <a:lnB w="720">
-                      <a:solidFill>
-                        <a:srgbClr val="ffffff"/>
-                      </a:solidFill>
-                    </a:lnB>
-                    <a:solidFill>
                       <a:srgbClr val="e6e6e6"/>
                     </a:solidFill>
                   </a:tcPr>
@@ -6001,19 +5791,20 @@
                 </a:tc>
               </a:tr>
               <a:tr h="406440">
-                <a:tc>
+                <a:tc gridSpan="3">
                   <a:txBody>
                     <a:bodyPr lIns="90000" rIns="90000" tIns="46800" bIns="46800">
                       <a:noAutofit/>
                     </a:bodyPr>
                     <a:p>
+                      <a:pPr algn="ctr"/>
                       <a:r>
-                        <a:rPr b="1" lang="en-US" sz="1500" spc="-1" strike="noStrike">
+                        <a:rPr b="1" lang="en-US" sz="2200" spc="-1" strike="noStrike">
                           <a:latin typeface="Arial"/>
                         </a:rPr>
                         <a:t>Subnets:</a:t>
                       </a:r>
-                      <a:endParaRPr b="1" lang="en-US" sz="1500" spc="-1" strike="noStrike">
+                      <a:endParaRPr b="1" lang="en-US" sz="2200" spc="-1" strike="noStrike">
                         <a:latin typeface="Arial"/>
                       </a:endParaRPr>
                     </a:p>
@@ -6044,7 +5835,7 @@
                     </a:solidFill>
                   </a:tcPr>
                 </a:tc>
-                <a:tc>
+                <a:tc hMerge="1">
                   <a:tcPr marL="90000" marR="90000">
                     <a:lnL w="720">
                       <a:solidFill>
@@ -6071,7 +5862,7 @@
                     </a:solidFill>
                   </a:tcPr>
                 </a:tc>
-                <a:tc>
+                <a:tc hMerge="1">
                   <a:tcPr marL="90000" marR="90000">
                     <a:lnL w="720">
                       <a:solidFill>
@@ -6099,7 +5890,7 @@
                   </a:tcPr>
                 </a:tc>
               </a:tr>
-              <a:tr h="392760">
+              <a:tr h="473760">
                 <a:tc>
                   <a:txBody>
                     <a:bodyPr lIns="90000" rIns="90000" tIns="46800" bIns="46800">
@@ -6230,7 +6021,7 @@
                   </a:tcPr>
                 </a:tc>
               </a:tr>
-              <a:tr h="392760">
+              <a:tr h="473760">
                 <a:tc>
                   <a:txBody>
                     <a:bodyPr lIns="90000" rIns="90000" tIns="46800" bIns="46800">
@@ -6361,7 +6152,7 @@
                   </a:tcPr>
                 </a:tc>
               </a:tr>
-              <a:tr h="392760">
+              <a:tr h="473760">
                 <a:tc>
                   <a:txBody>
                     <a:bodyPr lIns="90000" rIns="90000" tIns="46800" bIns="46800">
@@ -6492,7 +6283,7 @@
                   </a:tcPr>
                 </a:tc>
               </a:tr>
-              <a:tr h="392760">
+              <a:tr h="473760">
                 <a:tc>
                   <a:txBody>
                     <a:bodyPr lIns="90000" rIns="90000" tIns="46800" bIns="46800">
@@ -6623,7 +6414,7 @@
                   </a:tcPr>
                 </a:tc>
               </a:tr>
-              <a:tr h="392760">
+              <a:tr h="473760">
                 <a:tc>
                   <a:txBody>
                     <a:bodyPr lIns="90000" rIns="90000" tIns="46800" bIns="46800">
@@ -6754,7 +6545,7 @@
                   </a:tcPr>
                 </a:tc>
               </a:tr>
-              <a:tr h="392760">
+              <a:tr h="473760">
                 <a:tc>
                   <a:txBody>
                     <a:bodyPr lIns="90000" rIns="90000" tIns="46800" bIns="46800">
@@ -6885,7 +6676,7 @@
                   </a:tcPr>
                 </a:tc>
               </a:tr>
-              <a:tr h="393120">
+              <a:tr h="476280">
                 <a:tc>
                   <a:txBody>
                     <a:bodyPr lIns="90000" rIns="90000" tIns="46800" bIns="46800">
@@ -7020,6 +6811,112 @@
           </a:graphicData>
         </a:graphic>
       </p:graphicFrame>
+      <p:sp>
+        <p:nvSpPr>
+          <p:cNvPr id="100" name="TextShape 3"/>
+          <p:cNvSpPr txBox="1"/>
+          <p:nvPr/>
+        </p:nvSpPr>
+        <p:spPr>
+          <a:xfrm>
+            <a:off x="559440" y="1368000"/>
+            <a:ext cx="9071640" cy="4384440"/>
+          </a:xfrm>
+          <a:prstGeom prst="rect">
+            <a:avLst/>
+          </a:prstGeom>
+          <a:noFill/>
+          <a:ln>
+            <a:noFill/>
+          </a:ln>
+        </p:spPr>
+        <p:txBody>
+          <a:bodyPr lIns="0" rIns="0" tIns="0" bIns="0">
+            <a:normAutofit/>
+          </a:bodyPr>
+          <a:p>
+            <a:pPr marL="432000" indent="-324000">
+              <a:spcBef>
+                <a:spcPts val="1417"/>
+              </a:spcBef>
+              <a:buClr>
+                <a:srgbClr val="000000"/>
+              </a:buClr>
+              <a:buSzPct val="45000"/>
+              <a:buFont typeface="Wingdings" charset="2"/>
+              <a:buChar char=""/>
+            </a:pPr>
+            <a:r>
+              <a:rPr b="0" lang="en-US" sz="2800" spc="-1" strike="noStrike">
+                <a:latin typeface="Arial"/>
+              </a:rPr>
+              <a:t>Network IP Subnetting Table:</a:t>
+            </a:r>
+            <a:endParaRPr b="0" lang="en-US" sz="2800" spc="-1" strike="noStrike">
+              <a:latin typeface="Arial"/>
+            </a:endParaRPr>
+          </a:p>
+          <a:p>
+            <a:pPr marL="432000" indent="-324000">
+              <a:spcBef>
+                <a:spcPts val="1417"/>
+              </a:spcBef>
+              <a:buClr>
+                <a:srgbClr val="000000"/>
+              </a:buClr>
+              <a:buSzPct val="45000"/>
+              <a:buFont typeface="Wingdings" charset="2"/>
+              <a:buChar char=""/>
+            </a:pPr>
+            <a:r>
+              <a:rPr b="0" lang="en-US" sz="3200" spc="-1" strike="noStrike">
+                <a:latin typeface="Arial"/>
+              </a:rPr>
+              <a:t> </a:t>
+            </a:r>
+            <a:endParaRPr b="0" lang="en-US" sz="3200" spc="-1" strike="noStrike">
+              <a:latin typeface="Arial"/>
+            </a:endParaRPr>
+          </a:p>
+        </p:txBody>
+      </p:sp>
+      <p:sp>
+        <p:nvSpPr>
+          <p:cNvPr id="101" name="TextShape 4"/>
+          <p:cNvSpPr txBox="1"/>
+          <p:nvPr/>
+        </p:nvSpPr>
+        <p:spPr>
+          <a:xfrm>
+            <a:off x="8620560" y="1091880"/>
+            <a:ext cx="1570680" cy="704520"/>
+          </a:xfrm>
+          <a:prstGeom prst="rect">
+            <a:avLst/>
+          </a:prstGeom>
+          <a:noFill/>
+          <a:ln>
+            <a:noFill/>
+          </a:ln>
+        </p:spPr>
+        <p:txBody>
+          <a:bodyPr lIns="90000" rIns="90000" tIns="45000" bIns="45000">
+            <a:noAutofit/>
+          </a:bodyPr>
+          <a:p>
+            <a:pPr algn="ctr"/>
+            <a:fld id="{9F3D8DC9-323A-49CB-A0D8-034921E5D953}" type="slidenum">
+              <a:rPr b="0" lang="en-US" sz="2400" spc="-1" strike="noStrike">
+                <a:latin typeface="Arial"/>
+              </a:rPr>
+              <a:t>6</a:t>
+            </a:fld>
+            <a:endParaRPr b="0" lang="en-US" sz="2400" spc="-1" strike="noStrike">
+              <a:latin typeface="Arial"/>
+            </a:endParaRPr>
+          </a:p>
+        </p:txBody>
+      </p:sp>
     </p:spTree>
   </p:cSld>
   <mc:AlternateContent>
@@ -7052,7 +6949,7 @@
       </p:grpSpPr>
       <p:sp>
         <p:nvSpPr>
-          <p:cNvPr id="100" name="TextShape 1"/>
+          <p:cNvPr id="102" name="TextShape 1"/>
           <p:cNvSpPr txBox="1"/>
           <p:nvPr/>
         </p:nvSpPr>
@@ -7119,7 +7016,7 @@
       </p:sp>
       <p:sp>
         <p:nvSpPr>
-          <p:cNvPr id="101" name="TextShape 2"/>
+          <p:cNvPr id="103" name="TextShape 2"/>
           <p:cNvSpPr txBox="1"/>
           <p:nvPr/>
         </p:nvSpPr>
@@ -7358,7 +7255,7 @@
       </p:sp>
       <p:sp>
         <p:nvSpPr>
-          <p:cNvPr id="102" name="TextShape 3"/>
+          <p:cNvPr id="104" name="TextShape 3"/>
           <p:cNvSpPr txBox="1"/>
           <p:nvPr/>
         </p:nvSpPr>
@@ -7381,11 +7278,11 @@
           </a:bodyPr>
           <a:p>
             <a:pPr algn="ctr"/>
-            <a:fld id="{16DC4D01-6BBD-4C76-B580-5E9EF7A255A8}" type="slidenum">
+            <a:fld id="{5999B951-F82F-4B3A-8CAE-803E67BCFB9D}" type="slidenum">
               <a:rPr b="0" lang="en-US" sz="1800" spc="-1" strike="noStrike">
                 <a:latin typeface="Arial"/>
               </a:rPr>
-              <a:t>&lt;number&gt;</a:t>
+              <a:t>7</a:t>
             </a:fld>
             <a:endParaRPr b="0" lang="en-US" sz="1800" spc="-1" strike="noStrike">
               <a:latin typeface="Arial"/>
@@ -7425,7 +7322,7 @@
       </p:grpSpPr>
       <p:sp>
         <p:nvSpPr>
-          <p:cNvPr id="103" name="TextShape 1"/>
+          <p:cNvPr id="105" name="TextShape 1"/>
           <p:cNvSpPr txBox="1"/>
           <p:nvPr/>
         </p:nvSpPr>
@@ -7452,7 +7349,25 @@
               <a:rPr b="0" lang="en-US" sz="4400" spc="-1" strike="noStrike">
                 <a:latin typeface="Arial"/>
               </a:rPr>
-              <a:t>Part 2- Web Development</a:t>
+              <a:t>Part 2- </a:t>
+            </a:r>
+            <a:r>
+              <a:rPr b="0" lang="en-US" sz="4400" spc="-1" strike="noStrike">
+                <a:latin typeface="Arial"/>
+              </a:rPr>
+              <a:t>Web </a:t>
+            </a:r>
+            <a:r>
+              <a:rPr b="0" lang="en-US" sz="4400" spc="-1" strike="noStrike">
+                <a:latin typeface="Arial"/>
+              </a:rPr>
+              <a:t>Developm</a:t>
+            </a:r>
+            <a:r>
+              <a:rPr b="0" lang="en-US" sz="4400" spc="-1" strike="noStrike">
+                <a:latin typeface="Arial"/>
+              </a:rPr>
+              <a:t>ent</a:t>
             </a:r>
             <a:endParaRPr b="0" lang="en-US" sz="4400" spc="-1" strike="noStrike">
               <a:latin typeface="Arial"/>
@@ -7462,14 +7377,14 @@
       </p:sp>
       <p:sp>
         <p:nvSpPr>
-          <p:cNvPr id="104" name="TextShape 2"/>
+          <p:cNvPr id="106" name="TextShape 2"/>
           <p:cNvSpPr txBox="1"/>
           <p:nvPr/>
         </p:nvSpPr>
         <p:spPr>
           <a:xfrm>
-            <a:off x="8994240" y="1091880"/>
-            <a:ext cx="822960" cy="704520"/>
+            <a:off x="504000" y="1769040"/>
+            <a:ext cx="9071640" cy="5180400"/>
           </a:xfrm>
           <a:prstGeom prst="rect">
             <a:avLst/>
@@ -7480,16 +7395,293 @@
           </a:ln>
         </p:spPr>
         <p:txBody>
+          <a:bodyPr lIns="0" rIns="0" tIns="0" bIns="0">
+            <a:normAutofit/>
+          </a:bodyPr>
+          <a:p>
+            <a:pPr marL="432000" indent="-324000" algn="ctr">
+              <a:spcBef>
+                <a:spcPts val="1417"/>
+              </a:spcBef>
+              <a:buClr>
+                <a:srgbClr val="000000"/>
+              </a:buClr>
+              <a:buSzPct val="45000"/>
+              <a:buFont typeface="Wingdings" charset="2"/>
+              <a:buChar char=""/>
+            </a:pPr>
+            <a:r>
+              <a:rPr b="1" lang="en-US" sz="2200" spc="-1" strike="noStrike">
+                <a:latin typeface="Arial"/>
+              </a:rPr>
+              <a:t>MAC &amp; IP based Employee Attendance Management System</a:t>
+            </a:r>
+            <a:endParaRPr b="0" lang="en-US" sz="2200" spc="-1" strike="noStrike">
+              <a:latin typeface="Arial"/>
+            </a:endParaRPr>
+          </a:p>
+          <a:p>
+            <a:pPr marL="432000" indent="-324000">
+              <a:spcBef>
+                <a:spcPts val="1417"/>
+              </a:spcBef>
+              <a:buClr>
+                <a:srgbClr val="000000"/>
+              </a:buClr>
+              <a:buSzPct val="45000"/>
+              <a:buFont typeface="Wingdings" charset="2"/>
+              <a:buChar char=""/>
+            </a:pPr>
+            <a:r>
+              <a:rPr b="0" lang="en-US" sz="2000" spc="-1" strike="noStrike">
+                <a:latin typeface="Arial"/>
+              </a:rPr>
+              <a:t>Employee’s can only give attendance from their PC only</a:t>
+            </a:r>
+            <a:endParaRPr b="0" lang="en-US" sz="2000" spc="-1" strike="noStrike">
+              <a:latin typeface="Arial"/>
+            </a:endParaRPr>
+          </a:p>
+          <a:p>
+            <a:pPr marL="432000" indent="-324000">
+              <a:spcBef>
+                <a:spcPts val="1417"/>
+              </a:spcBef>
+              <a:buClr>
+                <a:srgbClr val="000000"/>
+              </a:buClr>
+              <a:buSzPct val="45000"/>
+              <a:buFont typeface="Wingdings" charset="2"/>
+              <a:buChar char=""/>
+            </a:pPr>
+            <a:r>
+              <a:rPr b="0" lang="en-US" sz="2000" spc="-1" strike="noStrike">
+                <a:latin typeface="Arial"/>
+              </a:rPr>
+              <a:t>The system will match both the </a:t>
+            </a:r>
+            <a:endParaRPr b="0" lang="en-US" sz="2000" spc="-1" strike="noStrike">
+              <a:latin typeface="Arial"/>
+            </a:endParaRPr>
+          </a:p>
+          <a:p>
+            <a:pPr marL="432000" indent="-324000">
+              <a:spcBef>
+                <a:spcPts val="1417"/>
+              </a:spcBef>
+              <a:buClr>
+                <a:srgbClr val="000000"/>
+              </a:buClr>
+              <a:buSzPct val="45000"/>
+              <a:buFont typeface="Wingdings" charset="2"/>
+              <a:buChar char=""/>
+            </a:pPr>
+            <a:r>
+              <a:rPr b="0" lang="en-US" sz="2000" spc="-1" strike="noStrike">
+                <a:latin typeface="Arial"/>
+              </a:rPr>
+              <a:t>IP &amp; MAC of the user with the </a:t>
+            </a:r>
+            <a:endParaRPr b="0" lang="en-US" sz="2000" spc="-1" strike="noStrike">
+              <a:latin typeface="Arial"/>
+            </a:endParaRPr>
+          </a:p>
+          <a:p>
+            <a:pPr marL="432000" indent="-324000">
+              <a:spcBef>
+                <a:spcPts val="1417"/>
+              </a:spcBef>
+              <a:buClr>
+                <a:srgbClr val="000000"/>
+              </a:buClr>
+              <a:buSzPct val="45000"/>
+              <a:buFont typeface="Wingdings" charset="2"/>
+              <a:buChar char=""/>
+            </a:pPr>
+            <a:r>
+              <a:rPr b="0" lang="en-US" sz="2000" spc="-1" strike="noStrike">
+                <a:latin typeface="Arial"/>
+              </a:rPr>
+              <a:t>registered IP &amp; MAC</a:t>
+            </a:r>
+            <a:endParaRPr b="0" lang="en-US" sz="2000" spc="-1" strike="noStrike">
+              <a:latin typeface="Arial"/>
+            </a:endParaRPr>
+          </a:p>
+          <a:p>
+            <a:pPr marL="432000" indent="-324000">
+              <a:spcBef>
+                <a:spcPts val="1417"/>
+              </a:spcBef>
+              <a:buClr>
+                <a:srgbClr val="000000"/>
+              </a:buClr>
+              <a:buSzPct val="45000"/>
+              <a:buFont typeface="Wingdings" charset="2"/>
+              <a:buChar char=""/>
+            </a:pPr>
+            <a:r>
+              <a:rPr b="0" lang="en-US" sz="2000" spc="-1" strike="noStrike">
+                <a:latin typeface="Arial"/>
+              </a:rPr>
+              <a:t>Any attendance outside the </a:t>
+            </a:r>
+            <a:endParaRPr b="0" lang="en-US" sz="2000" spc="-1" strike="noStrike">
+              <a:latin typeface="Arial"/>
+            </a:endParaRPr>
+          </a:p>
+          <a:p>
+            <a:pPr marL="432000" indent="-324000">
+              <a:spcBef>
+                <a:spcPts val="1417"/>
+              </a:spcBef>
+              <a:buClr>
+                <a:srgbClr val="000000"/>
+              </a:buClr>
+              <a:buSzPct val="45000"/>
+              <a:buFont typeface="Wingdings" charset="2"/>
+              <a:buChar char=""/>
+            </a:pPr>
+            <a:r>
+              <a:rPr b="0" lang="en-US" sz="2000" spc="-1" strike="noStrike">
+                <a:latin typeface="Arial"/>
+              </a:rPr>
+              <a:t>network will be recorded but </a:t>
+            </a:r>
+            <a:endParaRPr b="0" lang="en-US" sz="2000" spc="-1" strike="noStrike">
+              <a:latin typeface="Arial"/>
+            </a:endParaRPr>
+          </a:p>
+          <a:p>
+            <a:pPr marL="432000" indent="-324000">
+              <a:spcBef>
+                <a:spcPts val="1417"/>
+              </a:spcBef>
+              <a:buClr>
+                <a:srgbClr val="000000"/>
+              </a:buClr>
+              <a:buSzPct val="45000"/>
+              <a:buFont typeface="Wingdings" charset="2"/>
+              <a:buChar char=""/>
+            </a:pPr>
+            <a:r>
+              <a:rPr b="0" lang="en-US" sz="2000" spc="-1" strike="noStrike">
+                <a:latin typeface="Arial"/>
+              </a:rPr>
+              <a:t>marked as NOT MATCHED.</a:t>
+            </a:r>
+            <a:endParaRPr b="0" lang="en-US" sz="2000" spc="-1" strike="noStrike">
+              <a:latin typeface="Arial"/>
+            </a:endParaRPr>
+          </a:p>
+          <a:p>
+            <a:pPr marL="432000" indent="-324000">
+              <a:spcBef>
+                <a:spcPts val="1417"/>
+              </a:spcBef>
+              <a:buClr>
+                <a:srgbClr val="000000"/>
+              </a:buClr>
+              <a:buSzPct val="45000"/>
+              <a:buFont typeface="Wingdings" charset="2"/>
+              <a:buChar char=""/>
+            </a:pPr>
+            <a:r>
+              <a:rPr b="0" lang="en-US" sz="2000" spc="-1" strike="noStrike">
+                <a:latin typeface="Arial"/>
+              </a:rPr>
+              <a:t>So no one is able to cheat the </a:t>
+            </a:r>
+            <a:endParaRPr b="0" lang="en-US" sz="2000" spc="-1" strike="noStrike">
+              <a:latin typeface="Arial"/>
+            </a:endParaRPr>
+          </a:p>
+          <a:p>
+            <a:pPr marL="432000" indent="-324000">
+              <a:spcBef>
+                <a:spcPts val="1417"/>
+              </a:spcBef>
+              <a:buClr>
+                <a:srgbClr val="000000"/>
+              </a:buClr>
+              <a:buSzPct val="45000"/>
+              <a:buFont typeface="Wingdings" charset="2"/>
+              <a:buChar char=""/>
+            </a:pPr>
+            <a:r>
+              <a:rPr b="0" lang="en-US" sz="2000" spc="-1" strike="noStrike">
+                <a:latin typeface="Arial"/>
+              </a:rPr>
+              <a:t>system</a:t>
+            </a:r>
+            <a:endParaRPr b="0" lang="en-US" sz="2000" spc="-1" strike="noStrike">
+              <a:latin typeface="Arial"/>
+            </a:endParaRPr>
+          </a:p>
+          <a:p>
+            <a:pPr marL="432000" indent="-324000">
+              <a:spcBef>
+                <a:spcPts val="1417"/>
+              </a:spcBef>
+              <a:buClr>
+                <a:srgbClr val="000000"/>
+              </a:buClr>
+              <a:buSzPct val="45000"/>
+              <a:buFont typeface="Wingdings" charset="2"/>
+              <a:buChar char=""/>
+            </a:pPr>
+            <a:endParaRPr b="0" lang="en-US" sz="2000" spc="-1" strike="noStrike">
+              <a:latin typeface="Arial"/>
+            </a:endParaRPr>
+          </a:p>
+          <a:p>
+            <a:pPr lvl="2" marL="1296000" indent="-288000">
+              <a:spcBef>
+                <a:spcPts val="850"/>
+              </a:spcBef>
+              <a:buClr>
+                <a:srgbClr val="000000"/>
+              </a:buClr>
+              <a:buSzPct val="45000"/>
+              <a:buFont typeface="Wingdings" charset="2"/>
+              <a:buChar char=""/>
+            </a:pPr>
+            <a:endParaRPr b="0" lang="en-US" sz="2000" spc="-1" strike="noStrike">
+              <a:latin typeface="Arial"/>
+            </a:endParaRPr>
+          </a:p>
+        </p:txBody>
+      </p:sp>
+      <p:sp>
+        <p:nvSpPr>
+          <p:cNvPr id="107" name="TextShape 3"/>
+          <p:cNvSpPr txBox="1"/>
+          <p:nvPr/>
+        </p:nvSpPr>
+        <p:spPr>
+          <a:xfrm>
+            <a:off x="8994240" y="1091880"/>
+            <a:ext cx="822960" cy="704520"/>
+          </a:xfrm>
+          <a:prstGeom prst="rect">
+            <a:avLst/>
+          </a:prstGeom>
+          <a:noFill/>
+          <a:ln>
+            <a:noFill/>
+          </a:ln>
+        </p:spPr>
+        <p:txBody>
           <a:bodyPr lIns="90000" rIns="90000" tIns="45000" bIns="45000">
             <a:noAutofit/>
           </a:bodyPr>
           <a:p>
             <a:pPr algn="ctr"/>
-            <a:fld id="{824A3B33-1549-4B29-AB31-82D8947F019D}" type="slidenum">
+            <a:fld id="{5EBC906A-4CF6-433F-97DD-EFE65EB98358}" type="slidenum">
               <a:rPr b="0" lang="en-US" sz="1800" spc="-1" strike="noStrike">
                 <a:latin typeface="Arial"/>
               </a:rPr>
-              <a:t>&lt;number&gt;</a:t>
+              <a:t>8</a:t>
             </a:fld>
             <a:endParaRPr b="0" lang="en-US" sz="1800" spc="-1" strike="noStrike">
               <a:latin typeface="Arial"/>
@@ -7499,43 +7691,18 @@
       </p:sp>
       <p:pic>
         <p:nvPicPr>
-          <p:cNvPr id="105" name="" descr=""/>
+          <p:cNvPr id="108" name="" descr=""/>
           <p:cNvPicPr/>
           <p:nvPr/>
         </p:nvPicPr>
         <p:blipFill>
           <a:blip r:embed="rId1"/>
-          <a:srcRect l="0" t="4622" r="0" b="8287"/>
           <a:stretch/>
         </p:blipFill>
         <p:spPr>
           <a:xfrm>
-            <a:off x="1357920" y="1646280"/>
-            <a:ext cx="2939760" cy="5120280"/>
-          </a:xfrm>
-          <a:prstGeom prst="rect">
-            <a:avLst/>
-          </a:prstGeom>
-          <a:ln>
-            <a:noFill/>
-          </a:ln>
-        </p:spPr>
-      </p:pic>
-      <p:pic>
-        <p:nvPicPr>
-          <p:cNvPr id="106" name="" descr=""/>
-          <p:cNvPicPr/>
-          <p:nvPr/>
-        </p:nvPicPr>
-        <p:blipFill>
-          <a:blip r:embed="rId2"/>
-          <a:srcRect l="0" t="3768" r="0" b="-1382"/>
-          <a:stretch/>
-        </p:blipFill>
-        <p:spPr>
-          <a:xfrm>
-            <a:off x="6483240" y="1737360"/>
-            <a:ext cx="2888640" cy="5639760"/>
+            <a:off x="4825440" y="2926080"/>
+            <a:ext cx="4750200" cy="4114800"/>
           </a:xfrm>
           <a:prstGeom prst="rect">
             <a:avLst/>
@@ -7577,7 +7744,7 @@
       </p:grpSpPr>
       <p:sp>
         <p:nvSpPr>
-          <p:cNvPr id="107" name="TextShape 1"/>
+          <p:cNvPr id="109" name="TextShape 1"/>
           <p:cNvSpPr txBox="1"/>
           <p:nvPr/>
         </p:nvSpPr>
@@ -7597,43 +7764,6 @@
         <p:txBody>
           <a:bodyPr lIns="0" rIns="0" tIns="0" bIns="0" anchor="ctr">
             <a:noAutofit/>
-          </a:bodyPr>
-          <a:p>
-            <a:pPr algn="ctr"/>
-            <a:r>
-              <a:rPr b="0" lang="en-US" sz="4400" spc="-1" strike="noStrike">
-                <a:latin typeface="Arial"/>
-              </a:rPr>
-              <a:t>Part 2- Web Development</a:t>
-            </a:r>
-            <a:endParaRPr b="0" lang="en-US" sz="4400" spc="-1" strike="noStrike">
-              <a:latin typeface="Arial"/>
-            </a:endParaRPr>
-          </a:p>
-        </p:txBody>
-      </p:sp>
-      <p:sp>
-        <p:nvSpPr>
-          <p:cNvPr id="108" name="TextShape 2"/>
-          <p:cNvSpPr txBox="1"/>
-          <p:nvPr/>
-        </p:nvSpPr>
-        <p:spPr>
-          <a:xfrm>
-            <a:off x="504000" y="1769040"/>
-            <a:ext cx="9071640" cy="5180400"/>
-          </a:xfrm>
-          <a:prstGeom prst="rect">
-            <a:avLst/>
-          </a:prstGeom>
-          <a:noFill/>
-          <a:ln>
-            <a:noFill/>
-          </a:ln>
-        </p:spPr>
-        <p:txBody>
-          <a:bodyPr lIns="0" rIns="0" tIns="0" bIns="0">
-            <a:normAutofit/>
           </a:bodyPr>
           <a:p>
             <a:pPr marL="432000" indent="-324000" algn="ctr">
@@ -7648,152 +7778,75 @@
               <a:buChar char=""/>
             </a:pPr>
             <a:r>
+              <a:rPr b="0" lang="en-US" sz="4400" spc="-1" strike="noStrike">
+                <a:latin typeface="Arial"/>
+              </a:rPr>
+              <a:t>Part 2- </a:t>
+            </a:r>
+            <a:r>
+              <a:rPr b="0" lang="en-US" sz="4400" spc="-1" strike="noStrike">
+                <a:latin typeface="Arial"/>
+              </a:rPr>
+              <a:t>Web </a:t>
+            </a:r>
+            <a:r>
+              <a:rPr b="0" lang="en-US" sz="4400" spc="-1" strike="noStrike">
+                <a:latin typeface="Arial"/>
+              </a:rPr>
+              <a:t>Develop</a:t>
+            </a:r>
+            <a:r>
+              <a:rPr b="0" lang="en-US" sz="4400" spc="-1" strike="noStrike">
+                <a:latin typeface="Arial"/>
+              </a:rPr>
+              <a:t>ment</a:t>
+            </a:r>
+            <a:br/>
+            <a:r>
               <a:rPr b="1" lang="en-US" sz="2200" spc="-1" strike="noStrike">
                 <a:latin typeface="Arial"/>
               </a:rPr>
-              <a:t>MAC &amp; IP based Employee Attendance Management System</a:t>
+              <a:t>MAC &amp; IP based </a:t>
+            </a:r>
+            <a:r>
+              <a:rPr b="1" lang="en-US" sz="2200" spc="-1" strike="noStrike">
+                <a:latin typeface="Arial"/>
+              </a:rPr>
+              <a:t>Employee </a:t>
+            </a:r>
+            <a:r>
+              <a:rPr b="1" lang="en-US" sz="2200" spc="-1" strike="noStrike">
+                <a:latin typeface="Arial"/>
+              </a:rPr>
+              <a:t>Attendance </a:t>
+            </a:r>
+            <a:r>
+              <a:rPr b="1" lang="en-US" sz="2200" spc="-1" strike="noStrike">
+                <a:latin typeface="Arial"/>
+              </a:rPr>
+              <a:t>Management </a:t>
+            </a:r>
+            <a:r>
+              <a:rPr b="1" lang="en-US" sz="2200" spc="-1" strike="noStrike">
+                <a:latin typeface="Arial"/>
+              </a:rPr>
+              <a:t>System</a:t>
             </a:r>
             <a:endParaRPr b="0" lang="en-US" sz="2200" spc="-1" strike="noStrike">
               <a:latin typeface="Arial"/>
             </a:endParaRPr>
           </a:p>
-          <a:p>
-            <a:pPr marL="432000" indent="-324000">
-              <a:spcBef>
-                <a:spcPts val="1417"/>
-              </a:spcBef>
-              <a:buClr>
-                <a:srgbClr val="000000"/>
-              </a:buClr>
-              <a:buSzPct val="45000"/>
-              <a:buFont typeface="Wingdings" charset="2"/>
-              <a:buChar char=""/>
-            </a:pPr>
-            <a:r>
-              <a:rPr b="0" lang="en-US" sz="2000" spc="-1" strike="noStrike">
-                <a:latin typeface="Arial"/>
-              </a:rPr>
-              <a:t>Employee’s can only give attendance from their PC only</a:t>
-            </a:r>
-            <a:endParaRPr b="0" lang="en-US" sz="2000" spc="-1" strike="noStrike">
-              <a:latin typeface="Arial"/>
-            </a:endParaRPr>
-          </a:p>
-          <a:p>
-            <a:pPr marL="432000" indent="-324000">
-              <a:spcBef>
-                <a:spcPts val="1417"/>
-              </a:spcBef>
-              <a:buClr>
-                <a:srgbClr val="000000"/>
-              </a:buClr>
-              <a:buSzPct val="45000"/>
-              <a:buFont typeface="Wingdings" charset="2"/>
-              <a:buChar char=""/>
-            </a:pPr>
-            <a:r>
-              <a:rPr b="0" lang="en-US" sz="2000" spc="-1" strike="noStrike">
-                <a:latin typeface="Arial"/>
-              </a:rPr>
-              <a:t>The system will match both the </a:t>
-            </a:r>
-            <a:endParaRPr b="0" lang="en-US" sz="2000" spc="-1" strike="noStrike">
-              <a:latin typeface="Arial"/>
-            </a:endParaRPr>
-          </a:p>
-          <a:p>
-            <a:pPr marL="432000" indent="-324000">
-              <a:spcBef>
-                <a:spcPts val="1417"/>
-              </a:spcBef>
-              <a:buClr>
-                <a:srgbClr val="000000"/>
-              </a:buClr>
-              <a:buSzPct val="45000"/>
-              <a:buFont typeface="Wingdings" charset="2"/>
-              <a:buChar char=""/>
-            </a:pPr>
-            <a:r>
-              <a:rPr b="0" lang="en-US" sz="2000" spc="-1" strike="noStrike">
-                <a:latin typeface="Arial"/>
-              </a:rPr>
-              <a:t>IP &amp; MAC of the user with the </a:t>
-            </a:r>
-            <a:endParaRPr b="0" lang="en-US" sz="2000" spc="-1" strike="noStrike">
-              <a:latin typeface="Arial"/>
-            </a:endParaRPr>
-          </a:p>
-          <a:p>
-            <a:pPr marL="432000" indent="-324000">
-              <a:spcBef>
-                <a:spcPts val="1417"/>
-              </a:spcBef>
-              <a:buClr>
-                <a:srgbClr val="000000"/>
-              </a:buClr>
-              <a:buSzPct val="45000"/>
-              <a:buFont typeface="Wingdings" charset="2"/>
-              <a:buChar char=""/>
-            </a:pPr>
-            <a:r>
-              <a:rPr b="0" lang="en-US" sz="2000" spc="-1" strike="noStrike">
-                <a:latin typeface="Arial"/>
-              </a:rPr>
-              <a:t>registered IP &amp; MAC</a:t>
-            </a:r>
-            <a:endParaRPr b="0" lang="en-US" sz="2000" spc="-1" strike="noStrike">
-              <a:latin typeface="Arial"/>
-            </a:endParaRPr>
-          </a:p>
-          <a:p>
-            <a:pPr marL="432000" indent="-324000">
-              <a:spcBef>
-                <a:spcPts val="1417"/>
-              </a:spcBef>
-              <a:buClr>
-                <a:srgbClr val="000000"/>
-              </a:buClr>
-              <a:buSzPct val="45000"/>
-              <a:buFont typeface="Wingdings" charset="2"/>
-              <a:buChar char=""/>
-            </a:pPr>
-            <a:r>
-              <a:rPr b="0" lang="en-US" sz="2000" spc="-1" strike="noStrike">
-                <a:latin typeface="Arial"/>
-              </a:rPr>
-              <a:t>Any attendance outside the </a:t>
-            </a:r>
-            <a:endParaRPr b="0" lang="en-US" sz="2000" spc="-1" strike="noStrike">
-              <a:latin typeface="Arial"/>
-            </a:endParaRPr>
-          </a:p>
-          <a:p>
-            <a:pPr marL="432000" indent="-324000">
-              <a:spcBef>
-                <a:spcPts val="1417"/>
-              </a:spcBef>
-              <a:buClr>
-                <a:srgbClr val="000000"/>
-              </a:buClr>
-              <a:buSzPct val="45000"/>
-              <a:buFont typeface="Wingdings" charset="2"/>
-              <a:buChar char=""/>
-            </a:pPr>
-            <a:endParaRPr b="0" lang="en-US" sz="2000" spc="-1" strike="noStrike">
-              <a:latin typeface="Arial"/>
-            </a:endParaRPr>
-          </a:p>
-        </p:txBody>
-      </p:sp>
-      <p:sp>
-        <p:nvSpPr>
-          <p:cNvPr id="109" name="TextShape 3"/>
+        </p:txBody>
+      </p:sp>
+      <p:sp>
+        <p:nvSpPr>
+          <p:cNvPr id="110" name="TextShape 2"/>
           <p:cNvSpPr txBox="1"/>
           <p:nvPr/>
         </p:nvSpPr>
         <p:spPr>
           <a:xfrm>
-            <a:off x="8994240" y="1091880"/>
+            <a:off x="9318240" y="1235880"/>
             <a:ext cx="822960" cy="704520"/>
           </a:xfrm>
           <a:prstGeom prst="rect">
@@ -7810,11 +7863,11 @@
           </a:bodyPr>
           <a:p>
             <a:pPr algn="ctr"/>
-            <a:fld id="{F8D5DE5D-E621-47BF-851E-EE115B844AFB}" type="slidenum">
+            <a:fld id="{422AC85B-FE7A-4E2D-A9B0-F4BD4D58B4F5}" type="slidenum">
               <a:rPr b="0" lang="en-US" sz="1800" spc="-1" strike="noStrike">
                 <a:latin typeface="Arial"/>
               </a:rPr>
-              <a:t>&lt;number&gt;</a:t>
+              <a:t>8</a:t>
             </a:fld>
             <a:endParaRPr b="0" lang="en-US" sz="1800" spc="-1" strike="noStrike">
               <a:latin typeface="Arial"/>
@@ -7824,18 +7877,42 @@
       </p:sp>
       <p:pic>
         <p:nvPicPr>
-          <p:cNvPr id="110" name="" descr=""/>
+          <p:cNvPr id="111" name="" descr=""/>
           <p:cNvPicPr/>
           <p:nvPr/>
         </p:nvPicPr>
         <p:blipFill>
           <a:blip r:embed="rId1"/>
+          <a:srcRect l="0" t="3768" r="0" b="-1382"/>
           <a:stretch/>
         </p:blipFill>
         <p:spPr>
           <a:xfrm>
-            <a:off x="4825440" y="2926080"/>
-            <a:ext cx="4750200" cy="4114800"/>
+            <a:off x="438480" y="1645920"/>
+            <a:ext cx="2888640" cy="5639760"/>
+          </a:xfrm>
+          <a:prstGeom prst="rect">
+            <a:avLst/>
+          </a:prstGeom>
+          <a:ln>
+            <a:noFill/>
+          </a:ln>
+        </p:spPr>
+      </p:pic>
+      <p:pic>
+        <p:nvPicPr>
+          <p:cNvPr id="112" name="" descr=""/>
+          <p:cNvPicPr/>
+          <p:nvPr/>
+        </p:nvPicPr>
+        <p:blipFill>
+          <a:blip r:embed="rId2"/>
+          <a:stretch/>
+        </p:blipFill>
+        <p:spPr>
+          <a:xfrm>
+            <a:off x="3657600" y="1641960"/>
+            <a:ext cx="5994000" cy="5013720"/>
           </a:xfrm>
           <a:prstGeom prst="rect">
             <a:avLst/>
